--- a/Presentation_Projet_PreTPI_Site_PIKA.pptx
+++ b/Presentation_Projet_PreTPI_Site_PIKA.pptx
@@ -7,6 +7,11 @@
   <p:sldIdLst>
     <p:sldId id="256" r:id="rId2"/>
     <p:sldId id="257" r:id="rId3"/>
+    <p:sldId id="258" r:id="rId4"/>
+    <p:sldId id="259" r:id="rId5"/>
+    <p:sldId id="260" r:id="rId6"/>
+    <p:sldId id="261" r:id="rId7"/>
+    <p:sldId id="262" r:id="rId8"/>
   </p:sldIdLst>
   <p:sldSz cx="12192000" cy="6858000"/>
   <p:notesSz cx="6858000" cy="9144000"/>
@@ -105,6 +110,11 @@
       </a:defRPr>
     </a:lvl9pPr>
   </p:defaultTextStyle>
+  <p:extLst>
+    <p:ext uri="{EFAFB233-063F-42B5-8137-9DF3F51BA10A}">
+      <p15:sldGuideLst xmlns:p15="http://schemas.microsoft.com/office/powerpoint/2012/main"/>
+    </p:ext>
+  </p:extLst>
 </p:presentation>
 </file>
 
@@ -610,7 +620,7 @@
           <a:p>
             <a:fld id="{E70E7258-0E2C-4100-A6BD-9FC5DF652BD1}" type="datetimeFigureOut">
               <a:rPr lang="fr-CH" smtClean="0"/>
-              <a:t>19.04.2018</a:t>
+              <a:t>20.04.2018</a:t>
             </a:fld>
             <a:endParaRPr lang="fr-CH"/>
           </a:p>
@@ -906,7 +916,7 @@
           <a:p>
             <a:fld id="{E70E7258-0E2C-4100-A6BD-9FC5DF652BD1}" type="datetimeFigureOut">
               <a:rPr lang="fr-CH" smtClean="0"/>
-              <a:t>19.04.2018</a:t>
+              <a:t>20.04.2018</a:t>
             </a:fld>
             <a:endParaRPr lang="fr-CH"/>
           </a:p>
@@ -1154,7 +1164,7 @@
           <a:p>
             <a:fld id="{E70E7258-0E2C-4100-A6BD-9FC5DF652BD1}" type="datetimeFigureOut">
               <a:rPr lang="fr-CH" smtClean="0"/>
-              <a:t>19.04.2018</a:t>
+              <a:t>20.04.2018</a:t>
             </a:fld>
             <a:endParaRPr lang="fr-CH"/>
           </a:p>
@@ -1694,7 +1704,7 @@
           <a:p>
             <a:fld id="{E70E7258-0E2C-4100-A6BD-9FC5DF652BD1}" type="datetimeFigureOut">
               <a:rPr lang="fr-CH" smtClean="0"/>
-              <a:t>19.04.2018</a:t>
+              <a:t>20.04.2018</a:t>
             </a:fld>
             <a:endParaRPr lang="fr-CH"/>
           </a:p>
@@ -1942,7 +1952,7 @@
           <a:p>
             <a:fld id="{E70E7258-0E2C-4100-A6BD-9FC5DF652BD1}" type="datetimeFigureOut">
               <a:rPr lang="fr-CH" smtClean="0"/>
-              <a:t>19.04.2018</a:t>
+              <a:t>20.04.2018</a:t>
             </a:fld>
             <a:endParaRPr lang="fr-CH"/>
           </a:p>
@@ -2474,7 +2484,7 @@
           <a:p>
             <a:fld id="{E70E7258-0E2C-4100-A6BD-9FC5DF652BD1}" type="datetimeFigureOut">
               <a:rPr lang="fr-CH" smtClean="0"/>
-              <a:t>19.04.2018</a:t>
+              <a:t>20.04.2018</a:t>
             </a:fld>
             <a:endParaRPr lang="fr-CH"/>
           </a:p>
@@ -2771,7 +2781,7 @@
           <a:p>
             <a:fld id="{E70E7258-0E2C-4100-A6BD-9FC5DF652BD1}" type="datetimeFigureOut">
               <a:rPr lang="fr-CH" smtClean="0"/>
-              <a:t>19.04.2018</a:t>
+              <a:t>20.04.2018</a:t>
             </a:fld>
             <a:endParaRPr lang="fr-CH"/>
           </a:p>
@@ -2945,7 +2955,7 @@
           <a:p>
             <a:fld id="{E70E7258-0E2C-4100-A6BD-9FC5DF652BD1}" type="datetimeFigureOut">
               <a:rPr lang="fr-CH" smtClean="0"/>
-              <a:t>19.04.2018</a:t>
+              <a:t>20.04.2018</a:t>
             </a:fld>
             <a:endParaRPr lang="fr-CH"/>
           </a:p>
@@ -3125,7 +3135,7 @@
           <a:p>
             <a:fld id="{E70E7258-0E2C-4100-A6BD-9FC5DF652BD1}" type="datetimeFigureOut">
               <a:rPr lang="fr-CH" smtClean="0"/>
-              <a:t>19.04.2018</a:t>
+              <a:t>20.04.2018</a:t>
             </a:fld>
             <a:endParaRPr lang="fr-CH"/>
           </a:p>
@@ -3295,7 +3305,7 @@
           <a:p>
             <a:fld id="{E70E7258-0E2C-4100-A6BD-9FC5DF652BD1}" type="datetimeFigureOut">
               <a:rPr lang="fr-CH" smtClean="0"/>
-              <a:t>19.04.2018</a:t>
+              <a:t>20.04.2018</a:t>
             </a:fld>
             <a:endParaRPr lang="fr-CH"/>
           </a:p>
@@ -3546,7 +3556,7 @@
           <a:p>
             <a:fld id="{E70E7258-0E2C-4100-A6BD-9FC5DF652BD1}" type="datetimeFigureOut">
               <a:rPr lang="fr-CH" smtClean="0"/>
-              <a:t>19.04.2018</a:t>
+              <a:t>20.04.2018</a:t>
             </a:fld>
             <a:endParaRPr lang="fr-CH"/>
           </a:p>
@@ -3843,7 +3853,7 @@
           <a:p>
             <a:fld id="{E70E7258-0E2C-4100-A6BD-9FC5DF652BD1}" type="datetimeFigureOut">
               <a:rPr lang="fr-CH" smtClean="0"/>
-              <a:t>19.04.2018</a:t>
+              <a:t>20.04.2018</a:t>
             </a:fld>
             <a:endParaRPr lang="fr-CH"/>
           </a:p>
@@ -4285,7 +4295,7 @@
           <a:p>
             <a:fld id="{E70E7258-0E2C-4100-A6BD-9FC5DF652BD1}" type="datetimeFigureOut">
               <a:rPr lang="fr-CH" smtClean="0"/>
-              <a:t>19.04.2018</a:t>
+              <a:t>20.04.2018</a:t>
             </a:fld>
             <a:endParaRPr lang="fr-CH"/>
           </a:p>
@@ -4403,7 +4413,7 @@
           <a:p>
             <a:fld id="{E70E7258-0E2C-4100-A6BD-9FC5DF652BD1}" type="datetimeFigureOut">
               <a:rPr lang="fr-CH" smtClean="0"/>
-              <a:t>19.04.2018</a:t>
+              <a:t>20.04.2018</a:t>
             </a:fld>
             <a:endParaRPr lang="fr-CH"/>
           </a:p>
@@ -4498,7 +4508,7 @@
           <a:p>
             <a:fld id="{E70E7258-0E2C-4100-A6BD-9FC5DF652BD1}" type="datetimeFigureOut">
               <a:rPr lang="fr-CH" smtClean="0"/>
-              <a:t>19.04.2018</a:t>
+              <a:t>20.04.2018</a:t>
             </a:fld>
             <a:endParaRPr lang="fr-CH"/>
           </a:p>
@@ -4781,7 +4791,7 @@
           <a:p>
             <a:fld id="{E70E7258-0E2C-4100-A6BD-9FC5DF652BD1}" type="datetimeFigureOut">
               <a:rPr lang="fr-CH" smtClean="0"/>
-              <a:t>19.04.2018</a:t>
+              <a:t>20.04.2018</a:t>
             </a:fld>
             <a:endParaRPr lang="fr-CH"/>
           </a:p>
@@ -5072,7 +5082,7 @@
           <a:p>
             <a:fld id="{E70E7258-0E2C-4100-A6BD-9FC5DF652BD1}" type="datetimeFigureOut">
               <a:rPr lang="fr-CH" smtClean="0"/>
-              <a:t>19.04.2018</a:t>
+              <a:t>20.04.2018</a:t>
             </a:fld>
             <a:endParaRPr lang="fr-CH"/>
           </a:p>
@@ -5602,7 +5612,7 @@
           <a:p>
             <a:fld id="{E70E7258-0E2C-4100-A6BD-9FC5DF652BD1}" type="datetimeFigureOut">
               <a:rPr lang="fr-CH" smtClean="0"/>
-              <a:t>19.04.2018</a:t>
+              <a:t>20.04.2018</a:t>
             </a:fld>
             <a:endParaRPr lang="fr-CH"/>
           </a:p>
@@ -6149,25 +6159,25 @@
           <a:lstStyle/>
           <a:p>
             <a:r>
-              <a:rPr lang="fr-CH" dirty="0" smtClean="0"/>
+              <a:rPr lang="fr-CH" b="1" dirty="0" smtClean="0"/>
               <a:t>Projet Pré-TPI</a:t>
             </a:r>
             <a:r>
-              <a:rPr lang="fr-CH" dirty="0"/>
+              <a:rPr lang="fr-CH" b="1" dirty="0"/>
               <a:t/>
             </a:r>
             <a:br>
-              <a:rPr lang="fr-CH" dirty="0"/>
+              <a:rPr lang="fr-CH" b="1" dirty="0"/>
             </a:br>
             <a:r>
-              <a:rPr lang="fr-CH" dirty="0"/>
+              <a:rPr lang="fr-CH" b="1" dirty="0"/>
               <a:t>S</a:t>
             </a:r>
             <a:r>
-              <a:rPr lang="fr-CH" dirty="0" smtClean="0"/>
+              <a:rPr lang="fr-CH" b="1" dirty="0" smtClean="0"/>
               <a:t>ite PIKA</a:t>
             </a:r>
-            <a:endParaRPr lang="fr-CH" dirty="0"/>
+            <a:endParaRPr lang="fr-CH" b="1" dirty="0"/>
           </a:p>
         </p:txBody>
       </p:sp>
@@ -6189,28 +6199,28 @@
           <a:lstStyle/>
           <a:p>
             <a:r>
-              <a:rPr lang="fr-CH" dirty="0" smtClean="0"/>
+              <a:rPr lang="fr-CH" b="1" dirty="0" smtClean="0"/>
               <a:t>Gerardi Alexandre</a:t>
             </a:r>
           </a:p>
           <a:p>
             <a:r>
-              <a:rPr lang="fr-CH" dirty="0" smtClean="0"/>
+              <a:rPr lang="fr-CH" b="1" dirty="0" smtClean="0"/>
               <a:t>SI-C4a</a:t>
             </a:r>
           </a:p>
           <a:p>
             <a:r>
-              <a:rPr lang="fr-CH" dirty="0" smtClean="0"/>
+              <a:rPr lang="fr-CH" b="1" dirty="0" smtClean="0"/>
               <a:t>CPNV Ste-Croix</a:t>
             </a:r>
           </a:p>
           <a:p>
             <a:r>
-              <a:rPr lang="fr-CH" dirty="0" smtClean="0"/>
+              <a:rPr lang="fr-CH" b="1" dirty="0" smtClean="0"/>
               <a:t>Informaticien</a:t>
             </a:r>
-            <a:endParaRPr lang="fr-CH" dirty="0"/>
+            <a:endParaRPr lang="fr-CH" b="1" dirty="0"/>
           </a:p>
         </p:txBody>
       </p:sp>
@@ -6259,7 +6269,11 @@
           <a:bodyPr/>
           <a:lstStyle/>
           <a:p>
-            <a:endParaRPr lang="fr-CH"/>
+            <a:r>
+              <a:rPr lang="fr-CH" b="1" dirty="0" smtClean="0"/>
+              <a:t>Sommaire</a:t>
+            </a:r>
+            <a:endParaRPr lang="fr-CH" b="1" dirty="0"/>
           </a:p>
         </p:txBody>
       </p:sp>
@@ -6278,7 +6292,13 @@
           <a:bodyPr/>
           <a:lstStyle/>
           <a:p>
-            <a:endParaRPr lang="fr-CH" dirty="0"/>
+            <a:r>
+              <a:rPr lang="fr-CH" b="1" dirty="0" smtClean="0"/>
+              <a:t>Une page pour chaque choses</a:t>
+            </a:r>
+          </a:p>
+          <a:p>
+            <a:endParaRPr lang="fr-CH" b="1" dirty="0"/>
           </a:p>
         </p:txBody>
       </p:sp>
@@ -6286,6 +6306,1315 @@
     <p:extLst>
       <p:ext uri="{BB962C8B-B14F-4D97-AF65-F5344CB8AC3E}">
         <p14:creationId xmlns:p14="http://schemas.microsoft.com/office/powerpoint/2010/main" val="3259804805"/>
+      </p:ext>
+    </p:extLst>
+  </p:cSld>
+  <p:clrMapOvr>
+    <a:masterClrMapping/>
+  </p:clrMapOvr>
+</p:sld>
+</file>
+
+<file path=ppt/slides/slide3.xml><?xml version="1.0" encoding="utf-8"?>
+<p:sld xmlns:a="http://schemas.openxmlformats.org/drawingml/2006/main" xmlns:r="http://schemas.openxmlformats.org/officeDocument/2006/relationships" xmlns:p="http://schemas.openxmlformats.org/presentationml/2006/main">
+  <p:cSld>
+    <p:spTree>
+      <p:nvGrpSpPr>
+        <p:cNvPr id="1" name=""/>
+        <p:cNvGrpSpPr/>
+        <p:nvPr/>
+      </p:nvGrpSpPr>
+      <p:grpSpPr>
+        <a:xfrm>
+          <a:off x="0" y="0"/>
+          <a:ext cx="0" cy="0"/>
+          <a:chOff x="0" y="0"/>
+          <a:chExt cx="0" cy="0"/>
+        </a:xfrm>
+      </p:grpSpPr>
+      <p:sp>
+        <p:nvSpPr>
+          <p:cNvPr id="3" name="Espace réservé du contenu 2"/>
+          <p:cNvSpPr>
+            <a:spLocks noGrp="1"/>
+          </p:cNvSpPr>
+          <p:nvPr>
+            <p:ph idx="1"/>
+          </p:nvPr>
+        </p:nvSpPr>
+        <p:spPr>
+          <a:xfrm>
+            <a:off x="1484310" y="685800"/>
+            <a:ext cx="10018713" cy="5105401"/>
+          </a:xfrm>
+        </p:spPr>
+        <p:txBody>
+          <a:bodyPr/>
+          <a:lstStyle/>
+          <a:p>
+            <a:pPr marL="0" indent="0">
+              <a:buNone/>
+            </a:pPr>
+            <a:r>
+              <a:rPr lang="fr-CH" b="1" dirty="0" smtClean="0"/>
+              <a:t>Il plus facile de créer une page pour chaque fonction</a:t>
+            </a:r>
+          </a:p>
+          <a:p>
+            <a:pPr marL="0" indent="0">
+              <a:buNone/>
+            </a:pPr>
+            <a:endParaRPr lang="fr-CH" b="1" dirty="0"/>
+          </a:p>
+          <a:p>
+            <a:pPr marL="0" indent="0">
+              <a:buNone/>
+            </a:pPr>
+            <a:endParaRPr lang="fr-CH" b="1" dirty="0" smtClean="0"/>
+          </a:p>
+          <a:p>
+            <a:pPr marL="0" indent="0">
+              <a:buNone/>
+            </a:pPr>
+            <a:endParaRPr lang="fr-CH" b="1" dirty="0"/>
+          </a:p>
+          <a:p>
+            <a:pPr marL="0" indent="0">
+              <a:buNone/>
+            </a:pPr>
+            <a:endParaRPr lang="fr-CH" b="1" dirty="0" smtClean="0"/>
+          </a:p>
+          <a:p>
+            <a:pPr marL="0" indent="0">
+              <a:buNone/>
+            </a:pPr>
+            <a:endParaRPr lang="fr-CH" b="1" dirty="0"/>
+          </a:p>
+          <a:p>
+            <a:pPr marL="0" indent="0">
+              <a:buNone/>
+            </a:pPr>
+            <a:endParaRPr lang="fr-CH" b="1" dirty="0" smtClean="0"/>
+          </a:p>
+          <a:p>
+            <a:pPr marL="0" indent="0">
+              <a:buNone/>
+            </a:pPr>
+            <a:endParaRPr lang="fr-CH" b="1" dirty="0"/>
+          </a:p>
+          <a:p>
+            <a:pPr marL="0" indent="0">
+              <a:buNone/>
+            </a:pPr>
+            <a:endParaRPr lang="fr-CH" b="1" dirty="0" smtClean="0"/>
+          </a:p>
+          <a:p>
+            <a:pPr marL="0" indent="0">
+              <a:buNone/>
+            </a:pPr>
+            <a:endParaRPr lang="fr-CH" b="1" dirty="0"/>
+          </a:p>
+        </p:txBody>
+      </p:sp>
+      <p:pic>
+        <p:nvPicPr>
+          <p:cNvPr id="4" name="Image 3"/>
+          <p:cNvPicPr>
+            <a:picLocks noChangeAspect="1"/>
+          </p:cNvPicPr>
+          <p:nvPr/>
+        </p:nvPicPr>
+        <p:blipFill>
+          <a:blip r:embed="rId2">
+            <a:extLst>
+              <a:ext uri="{28A0092B-C50C-407E-A947-70E740481C1C}">
+                <a14:useLocalDpi xmlns:a14="http://schemas.microsoft.com/office/drawing/2010/main" val="0"/>
+              </a:ext>
+            </a:extLst>
+          </a:blip>
+          <a:stretch>
+            <a:fillRect/>
+          </a:stretch>
+        </p:blipFill>
+        <p:spPr>
+          <a:xfrm>
+            <a:off x="2343113" y="1428715"/>
+            <a:ext cx="8301106" cy="4362486"/>
+          </a:xfrm>
+          <a:prstGeom prst="rect">
+            <a:avLst/>
+          </a:prstGeom>
+        </p:spPr>
+      </p:pic>
+    </p:spTree>
+    <p:extLst>
+      <p:ext uri="{BB962C8B-B14F-4D97-AF65-F5344CB8AC3E}">
+        <p14:creationId xmlns:p14="http://schemas.microsoft.com/office/powerpoint/2010/main" val="2950759468"/>
+      </p:ext>
+    </p:extLst>
+  </p:cSld>
+  <p:clrMapOvr>
+    <a:masterClrMapping/>
+  </p:clrMapOvr>
+</p:sld>
+</file>
+
+<file path=ppt/slides/slide4.xml><?xml version="1.0" encoding="utf-8"?>
+<p:sld xmlns:a="http://schemas.openxmlformats.org/drawingml/2006/main" xmlns:r="http://schemas.openxmlformats.org/officeDocument/2006/relationships" xmlns:p="http://schemas.openxmlformats.org/presentationml/2006/main">
+  <p:cSld>
+    <p:spTree>
+      <p:nvGrpSpPr>
+        <p:cNvPr id="1" name=""/>
+        <p:cNvGrpSpPr/>
+        <p:nvPr/>
+      </p:nvGrpSpPr>
+      <p:grpSpPr>
+        <a:xfrm>
+          <a:off x="0" y="0"/>
+          <a:ext cx="0" cy="0"/>
+          <a:chOff x="0" y="0"/>
+          <a:chExt cx="0" cy="0"/>
+        </a:xfrm>
+      </p:grpSpPr>
+      <p:pic>
+        <p:nvPicPr>
+          <p:cNvPr id="5" name="Image 4"/>
+          <p:cNvPicPr>
+            <a:picLocks noChangeAspect="1"/>
+          </p:cNvPicPr>
+          <p:nvPr/>
+        </p:nvPicPr>
+        <p:blipFill>
+          <a:blip r:embed="rId2">
+            <a:extLst>
+              <a:ext uri="{28A0092B-C50C-407E-A947-70E740481C1C}">
+                <a14:useLocalDpi xmlns:a14="http://schemas.microsoft.com/office/drawing/2010/main" val="0"/>
+              </a:ext>
+            </a:extLst>
+          </a:blip>
+          <a:stretch>
+            <a:fillRect/>
+          </a:stretch>
+        </p:blipFill>
+        <p:spPr>
+          <a:xfrm>
+            <a:off x="2343113" y="1428715"/>
+            <a:ext cx="8301106" cy="4362486"/>
+          </a:xfrm>
+          <a:prstGeom prst="rect">
+            <a:avLst/>
+          </a:prstGeom>
+        </p:spPr>
+      </p:pic>
+      <p:sp>
+        <p:nvSpPr>
+          <p:cNvPr id="3" name="Espace réservé du contenu 2"/>
+          <p:cNvSpPr>
+            <a:spLocks noGrp="1"/>
+          </p:cNvSpPr>
+          <p:nvPr>
+            <p:ph idx="1"/>
+          </p:nvPr>
+        </p:nvSpPr>
+        <p:spPr>
+          <a:xfrm>
+            <a:off x="1484310" y="685800"/>
+            <a:ext cx="10018713" cy="5105401"/>
+          </a:xfrm>
+        </p:spPr>
+        <p:txBody>
+          <a:bodyPr/>
+          <a:lstStyle/>
+          <a:p>
+            <a:pPr marL="0" indent="0">
+              <a:buNone/>
+            </a:pPr>
+            <a:r>
+              <a:rPr lang="fr-CH" b="1" dirty="0" smtClean="0"/>
+              <a:t>Il plus facile de créer une page pour chaque fonction</a:t>
+            </a:r>
+          </a:p>
+          <a:p>
+            <a:pPr marL="0" indent="0">
+              <a:buNone/>
+            </a:pPr>
+            <a:endParaRPr lang="fr-CH" b="1" dirty="0"/>
+          </a:p>
+          <a:p>
+            <a:pPr marL="0" indent="0">
+              <a:buNone/>
+            </a:pPr>
+            <a:endParaRPr lang="fr-CH" b="1" dirty="0" smtClean="0"/>
+          </a:p>
+          <a:p>
+            <a:pPr marL="0" indent="0">
+              <a:buNone/>
+            </a:pPr>
+            <a:endParaRPr lang="fr-CH" b="1" dirty="0"/>
+          </a:p>
+          <a:p>
+            <a:pPr marL="0" indent="0">
+              <a:buNone/>
+            </a:pPr>
+            <a:endParaRPr lang="fr-CH" b="1" dirty="0" smtClean="0"/>
+          </a:p>
+          <a:p>
+            <a:pPr marL="0" indent="0">
+              <a:buNone/>
+            </a:pPr>
+            <a:endParaRPr lang="fr-CH" b="1" dirty="0"/>
+          </a:p>
+          <a:p>
+            <a:pPr marL="0" indent="0">
+              <a:buNone/>
+            </a:pPr>
+            <a:endParaRPr lang="fr-CH" b="1" dirty="0" smtClean="0"/>
+          </a:p>
+          <a:p>
+            <a:pPr marL="0" indent="0">
+              <a:buNone/>
+            </a:pPr>
+            <a:endParaRPr lang="fr-CH" b="1" dirty="0"/>
+          </a:p>
+          <a:p>
+            <a:pPr marL="0" indent="0">
+              <a:buNone/>
+            </a:pPr>
+            <a:endParaRPr lang="fr-CH" b="1" dirty="0" smtClean="0"/>
+          </a:p>
+          <a:p>
+            <a:pPr marL="0" indent="0">
+              <a:buNone/>
+            </a:pPr>
+            <a:endParaRPr lang="fr-CH" b="1" dirty="0"/>
+          </a:p>
+        </p:txBody>
+      </p:sp>
+    </p:spTree>
+    <p:extLst>
+      <p:ext uri="{BB962C8B-B14F-4D97-AF65-F5344CB8AC3E}">
+        <p14:creationId xmlns:p14="http://schemas.microsoft.com/office/powerpoint/2010/main" val="3527348176"/>
+      </p:ext>
+    </p:extLst>
+  </p:cSld>
+  <p:clrMapOvr>
+    <a:masterClrMapping/>
+  </p:clrMapOvr>
+</p:sld>
+</file>
+
+<file path=ppt/slides/slide5.xml><?xml version="1.0" encoding="utf-8"?>
+<p:sld xmlns:a="http://schemas.openxmlformats.org/drawingml/2006/main" xmlns:r="http://schemas.openxmlformats.org/officeDocument/2006/relationships" xmlns:p="http://schemas.openxmlformats.org/presentationml/2006/main">
+  <p:cSld>
+    <p:spTree>
+      <p:nvGrpSpPr>
+        <p:cNvPr id="1" name=""/>
+        <p:cNvGrpSpPr/>
+        <p:nvPr/>
+      </p:nvGrpSpPr>
+      <p:grpSpPr>
+        <a:xfrm>
+          <a:off x="0" y="0"/>
+          <a:ext cx="0" cy="0"/>
+          <a:chOff x="0" y="0"/>
+          <a:chExt cx="0" cy="0"/>
+        </a:xfrm>
+      </p:grpSpPr>
+      <p:pic>
+        <p:nvPicPr>
+          <p:cNvPr id="2" name="Image 1"/>
+          <p:cNvPicPr>
+            <a:picLocks noChangeAspect="1"/>
+          </p:cNvPicPr>
+          <p:nvPr/>
+        </p:nvPicPr>
+        <p:blipFill>
+          <a:blip r:embed="rId2">
+            <a:extLst>
+              <a:ext uri="{28A0092B-C50C-407E-A947-70E740481C1C}">
+                <a14:useLocalDpi xmlns:a14="http://schemas.microsoft.com/office/drawing/2010/main" val="0"/>
+              </a:ext>
+            </a:extLst>
+          </a:blip>
+          <a:stretch>
+            <a:fillRect/>
+          </a:stretch>
+        </p:blipFill>
+        <p:spPr>
+          <a:xfrm>
+            <a:off x="2343113" y="1428715"/>
+            <a:ext cx="8301106" cy="4362486"/>
+          </a:xfrm>
+          <a:prstGeom prst="rect">
+            <a:avLst/>
+          </a:prstGeom>
+        </p:spPr>
+      </p:pic>
+      <p:sp>
+        <p:nvSpPr>
+          <p:cNvPr id="3" name="Espace réservé du contenu 2"/>
+          <p:cNvSpPr>
+            <a:spLocks noGrp="1"/>
+          </p:cNvSpPr>
+          <p:nvPr>
+            <p:ph idx="1"/>
+          </p:nvPr>
+        </p:nvSpPr>
+        <p:spPr>
+          <a:xfrm>
+            <a:off x="1484310" y="685800"/>
+            <a:ext cx="10018713" cy="5105401"/>
+          </a:xfrm>
+        </p:spPr>
+        <p:txBody>
+          <a:bodyPr/>
+          <a:lstStyle/>
+          <a:p>
+            <a:pPr marL="0" indent="0">
+              <a:buNone/>
+            </a:pPr>
+            <a:r>
+              <a:rPr lang="fr-CH" b="1" dirty="0" smtClean="0"/>
+              <a:t>Il plus facile de créer une page pour chaque fonction</a:t>
+            </a:r>
+          </a:p>
+          <a:p>
+            <a:pPr marL="0" indent="0">
+              <a:buNone/>
+            </a:pPr>
+            <a:endParaRPr lang="fr-CH" b="1" dirty="0"/>
+          </a:p>
+          <a:p>
+            <a:pPr marL="0" indent="0">
+              <a:buNone/>
+            </a:pPr>
+            <a:endParaRPr lang="fr-CH" b="1" dirty="0" smtClean="0"/>
+          </a:p>
+          <a:p>
+            <a:pPr marL="0" indent="0">
+              <a:buNone/>
+            </a:pPr>
+            <a:endParaRPr lang="fr-CH" b="1" dirty="0"/>
+          </a:p>
+          <a:p>
+            <a:pPr marL="0" indent="0">
+              <a:buNone/>
+            </a:pPr>
+            <a:endParaRPr lang="fr-CH" b="1" dirty="0" smtClean="0"/>
+          </a:p>
+          <a:p>
+            <a:pPr marL="0" indent="0">
+              <a:buNone/>
+            </a:pPr>
+            <a:endParaRPr lang="fr-CH" b="1" dirty="0"/>
+          </a:p>
+          <a:p>
+            <a:pPr marL="0" indent="0">
+              <a:buNone/>
+            </a:pPr>
+            <a:endParaRPr lang="fr-CH" b="1" dirty="0" smtClean="0"/>
+          </a:p>
+          <a:p>
+            <a:pPr marL="0" indent="0">
+              <a:buNone/>
+            </a:pPr>
+            <a:endParaRPr lang="fr-CH" b="1" dirty="0"/>
+          </a:p>
+          <a:p>
+            <a:pPr marL="0" indent="0">
+              <a:buNone/>
+            </a:pPr>
+            <a:endParaRPr lang="fr-CH" b="1" dirty="0" smtClean="0"/>
+          </a:p>
+          <a:p>
+            <a:pPr marL="0" indent="0">
+              <a:buNone/>
+            </a:pPr>
+            <a:endParaRPr lang="fr-CH" b="1" dirty="0"/>
+          </a:p>
+        </p:txBody>
+      </p:sp>
+    </p:spTree>
+    <p:extLst>
+      <p:ext uri="{BB962C8B-B14F-4D97-AF65-F5344CB8AC3E}">
+        <p14:creationId xmlns:p14="http://schemas.microsoft.com/office/powerpoint/2010/main" val="456979296"/>
+      </p:ext>
+    </p:extLst>
+  </p:cSld>
+  <p:clrMapOvr>
+    <a:masterClrMapping/>
+  </p:clrMapOvr>
+</p:sld>
+</file>
+
+<file path=ppt/slides/slide6.xml><?xml version="1.0" encoding="utf-8"?>
+<p:sld xmlns:a="http://schemas.openxmlformats.org/drawingml/2006/main" xmlns:r="http://schemas.openxmlformats.org/officeDocument/2006/relationships" xmlns:p="http://schemas.openxmlformats.org/presentationml/2006/main">
+  <p:cSld>
+    <p:spTree>
+      <p:nvGrpSpPr>
+        <p:cNvPr id="1" name=""/>
+        <p:cNvGrpSpPr/>
+        <p:nvPr/>
+      </p:nvGrpSpPr>
+      <p:grpSpPr>
+        <a:xfrm>
+          <a:off x="0" y="0"/>
+          <a:ext cx="0" cy="0"/>
+          <a:chOff x="0" y="0"/>
+          <a:chExt cx="0" cy="0"/>
+        </a:xfrm>
+      </p:grpSpPr>
+      <p:pic>
+        <p:nvPicPr>
+          <p:cNvPr id="2" name="Image 1"/>
+          <p:cNvPicPr>
+            <a:picLocks noChangeAspect="1"/>
+          </p:cNvPicPr>
+          <p:nvPr/>
+        </p:nvPicPr>
+        <p:blipFill>
+          <a:blip r:embed="rId2">
+            <a:extLst>
+              <a:ext uri="{28A0092B-C50C-407E-A947-70E740481C1C}">
+                <a14:useLocalDpi xmlns:a14="http://schemas.microsoft.com/office/drawing/2010/main" val="0"/>
+              </a:ext>
+            </a:extLst>
+          </a:blip>
+          <a:stretch>
+            <a:fillRect/>
+          </a:stretch>
+        </p:blipFill>
+        <p:spPr>
+          <a:xfrm>
+            <a:off x="2343113" y="1428715"/>
+            <a:ext cx="8301106" cy="4362486"/>
+          </a:xfrm>
+          <a:prstGeom prst="rect">
+            <a:avLst/>
+          </a:prstGeom>
+        </p:spPr>
+      </p:pic>
+      <p:sp>
+        <p:nvSpPr>
+          <p:cNvPr id="3" name="Espace réservé du contenu 2"/>
+          <p:cNvSpPr>
+            <a:spLocks noGrp="1"/>
+          </p:cNvSpPr>
+          <p:nvPr>
+            <p:ph idx="1"/>
+          </p:nvPr>
+        </p:nvSpPr>
+        <p:spPr>
+          <a:xfrm>
+            <a:off x="1484310" y="685800"/>
+            <a:ext cx="10018713" cy="5105401"/>
+          </a:xfrm>
+        </p:spPr>
+        <p:txBody>
+          <a:bodyPr/>
+          <a:lstStyle/>
+          <a:p>
+            <a:pPr marL="0" indent="0">
+              <a:buNone/>
+            </a:pPr>
+            <a:r>
+              <a:rPr lang="fr-CH" b="1" dirty="0" smtClean="0"/>
+              <a:t>Il plus facile de créer une page pour chaque fonction</a:t>
+            </a:r>
+          </a:p>
+          <a:p>
+            <a:pPr marL="0" indent="0">
+              <a:buNone/>
+            </a:pPr>
+            <a:endParaRPr lang="fr-CH" b="1" dirty="0"/>
+          </a:p>
+          <a:p>
+            <a:pPr marL="0" indent="0">
+              <a:buNone/>
+            </a:pPr>
+            <a:endParaRPr lang="fr-CH" b="1" dirty="0" smtClean="0"/>
+          </a:p>
+          <a:p>
+            <a:pPr marL="0" indent="0">
+              <a:buNone/>
+            </a:pPr>
+            <a:endParaRPr lang="fr-CH" b="1" dirty="0"/>
+          </a:p>
+          <a:p>
+            <a:pPr marL="0" indent="0">
+              <a:buNone/>
+            </a:pPr>
+            <a:endParaRPr lang="fr-CH" b="1" dirty="0" smtClean="0"/>
+          </a:p>
+          <a:p>
+            <a:pPr marL="0" indent="0">
+              <a:buNone/>
+            </a:pPr>
+            <a:endParaRPr lang="fr-CH" b="1" dirty="0"/>
+          </a:p>
+          <a:p>
+            <a:pPr marL="0" indent="0">
+              <a:buNone/>
+            </a:pPr>
+            <a:endParaRPr lang="fr-CH" b="1" dirty="0" smtClean="0"/>
+          </a:p>
+          <a:p>
+            <a:pPr marL="0" indent="0">
+              <a:buNone/>
+            </a:pPr>
+            <a:endParaRPr lang="fr-CH" b="1" dirty="0"/>
+          </a:p>
+          <a:p>
+            <a:pPr marL="0" indent="0">
+              <a:buNone/>
+            </a:pPr>
+            <a:endParaRPr lang="fr-CH" b="1" dirty="0" smtClean="0"/>
+          </a:p>
+          <a:p>
+            <a:pPr marL="0" indent="0">
+              <a:buNone/>
+            </a:pPr>
+            <a:endParaRPr lang="fr-CH" b="1" dirty="0"/>
+          </a:p>
+        </p:txBody>
+      </p:sp>
+    </p:spTree>
+    <p:extLst>
+      <p:ext uri="{BB962C8B-B14F-4D97-AF65-F5344CB8AC3E}">
+        <p14:creationId xmlns:p14="http://schemas.microsoft.com/office/powerpoint/2010/main" val="792014803"/>
+      </p:ext>
+    </p:extLst>
+  </p:cSld>
+  <p:clrMapOvr>
+    <a:masterClrMapping/>
+  </p:clrMapOvr>
+</p:sld>
+</file>
+
+<file path=ppt/slides/slide7.xml><?xml version="1.0" encoding="utf-8"?>
+<p:sld xmlns:a="http://schemas.openxmlformats.org/drawingml/2006/main" xmlns:r="http://schemas.openxmlformats.org/officeDocument/2006/relationships" xmlns:p="http://schemas.openxmlformats.org/presentationml/2006/main">
+  <p:cSld>
+    <p:spTree>
+      <p:nvGrpSpPr>
+        <p:cNvPr id="1" name=""/>
+        <p:cNvGrpSpPr/>
+        <p:nvPr/>
+      </p:nvGrpSpPr>
+      <p:grpSpPr>
+        <a:xfrm>
+          <a:off x="0" y="0"/>
+          <a:ext cx="0" cy="0"/>
+          <a:chOff x="0" y="0"/>
+          <a:chExt cx="0" cy="0"/>
+        </a:xfrm>
+      </p:grpSpPr>
+      <p:pic>
+        <p:nvPicPr>
+          <p:cNvPr id="6" name="Image 5"/>
+          <p:cNvPicPr>
+            <a:picLocks noChangeAspect="1"/>
+          </p:cNvPicPr>
+          <p:nvPr/>
+        </p:nvPicPr>
+        <p:blipFill>
+          <a:blip r:embed="rId2">
+            <a:extLst>
+              <a:ext uri="{28A0092B-C50C-407E-A947-70E740481C1C}">
+                <a14:useLocalDpi xmlns:a14="http://schemas.microsoft.com/office/drawing/2010/main" val="0"/>
+              </a:ext>
+            </a:extLst>
+          </a:blip>
+          <a:stretch>
+            <a:fillRect/>
+          </a:stretch>
+        </p:blipFill>
+        <p:spPr>
+          <a:xfrm>
+            <a:off x="2343113" y="1428715"/>
+            <a:ext cx="8301106" cy="4362486"/>
+          </a:xfrm>
+          <a:prstGeom prst="rect">
+            <a:avLst/>
+          </a:prstGeom>
+        </p:spPr>
+      </p:pic>
+      <p:sp>
+        <p:nvSpPr>
+          <p:cNvPr id="3" name="Espace réservé du contenu 2"/>
+          <p:cNvSpPr>
+            <a:spLocks noGrp="1"/>
+          </p:cNvSpPr>
+          <p:nvPr>
+            <p:ph idx="1"/>
+          </p:nvPr>
+        </p:nvSpPr>
+        <p:spPr>
+          <a:xfrm>
+            <a:off x="1484310" y="685800"/>
+            <a:ext cx="10018713" cy="5105401"/>
+          </a:xfrm>
+        </p:spPr>
+        <p:txBody>
+          <a:bodyPr/>
+          <a:lstStyle/>
+          <a:p>
+            <a:pPr marL="0" indent="0">
+              <a:buNone/>
+            </a:pPr>
+            <a:r>
+              <a:rPr lang="fr-CH" b="1" dirty="0" smtClean="0"/>
+              <a:t>Il plus facile de créer une page pour chaque fonction</a:t>
+            </a:r>
+          </a:p>
+          <a:p>
+            <a:pPr marL="0" indent="0">
+              <a:buNone/>
+            </a:pPr>
+            <a:endParaRPr lang="fr-CH" dirty="0"/>
+          </a:p>
+          <a:p>
+            <a:pPr marL="0" indent="0">
+              <a:buNone/>
+            </a:pPr>
+            <a:endParaRPr lang="fr-CH" dirty="0" smtClean="0"/>
+          </a:p>
+          <a:p>
+            <a:pPr marL="0" indent="0">
+              <a:buNone/>
+            </a:pPr>
+            <a:endParaRPr lang="fr-CH" dirty="0"/>
+          </a:p>
+          <a:p>
+            <a:pPr marL="0" indent="0">
+              <a:buNone/>
+            </a:pPr>
+            <a:endParaRPr lang="fr-CH" dirty="0" smtClean="0"/>
+          </a:p>
+          <a:p>
+            <a:pPr marL="0" indent="0">
+              <a:buNone/>
+            </a:pPr>
+            <a:endParaRPr lang="fr-CH" dirty="0"/>
+          </a:p>
+          <a:p>
+            <a:pPr marL="0" indent="0">
+              <a:buNone/>
+            </a:pPr>
+            <a:endParaRPr lang="fr-CH" dirty="0" smtClean="0"/>
+          </a:p>
+          <a:p>
+            <a:pPr marL="0" indent="0">
+              <a:buNone/>
+            </a:pPr>
+            <a:endParaRPr lang="fr-CH" dirty="0"/>
+          </a:p>
+          <a:p>
+            <a:pPr marL="0" indent="0">
+              <a:buNone/>
+            </a:pPr>
+            <a:endParaRPr lang="fr-CH" dirty="0" smtClean="0"/>
+          </a:p>
+          <a:p>
+            <a:pPr marL="0" indent="0">
+              <a:buNone/>
+            </a:pPr>
+            <a:endParaRPr lang="fr-CH" dirty="0"/>
+          </a:p>
+        </p:txBody>
+      </p:sp>
+      <p:sp>
+        <p:nvSpPr>
+          <p:cNvPr id="5" name="Espace réservé du contenu 2"/>
+          <p:cNvSpPr txBox="1">
+            <a:spLocks/>
+          </p:cNvSpPr>
+          <p:nvPr/>
+        </p:nvSpPr>
+        <p:spPr>
+          <a:xfrm>
+            <a:off x="1484309" y="1090569"/>
+            <a:ext cx="10018714" cy="5352176"/>
+          </a:xfrm>
+          <a:prstGeom prst="rect">
+            <a:avLst/>
+          </a:prstGeom>
+        </p:spPr>
+        <p:txBody>
+          <a:bodyPr vert="horz" lIns="91440" tIns="45720" rIns="91440" bIns="45720" rtlCol="0" anchor="ctr">
+            <a:normAutofit fontScale="25000" lnSpcReduction="20000"/>
+          </a:bodyPr>
+          <a:lstStyle>
+            <a:lvl1pPr marL="285750" indent="-285750" algn="l" defTabSz="457200" rtl="0" eaLnBrk="1" latinLnBrk="0" hangingPunct="1">
+              <a:spcBef>
+                <a:spcPct val="20000"/>
+              </a:spcBef>
+              <a:spcAft>
+                <a:spcPts val="600"/>
+              </a:spcAft>
+              <a:buClr>
+                <a:schemeClr val="accent1">
+                  <a:lumMod val="75000"/>
+                </a:schemeClr>
+              </a:buClr>
+              <a:buSzPct val="145000"/>
+              <a:buFont typeface="Arial"/>
+              <a:buChar char="•"/>
+              <a:defRPr sz="2400" kern="1200" cap="none">
+                <a:solidFill>
+                  <a:schemeClr val="tx1"/>
+                </a:solidFill>
+                <a:effectLst/>
+                <a:latin typeface="+mn-lt"/>
+                <a:ea typeface="+mn-ea"/>
+                <a:cs typeface="+mn-cs"/>
+              </a:defRPr>
+            </a:lvl1pPr>
+            <a:lvl2pPr marL="742950" indent="-285750" algn="l" defTabSz="457200" rtl="0" eaLnBrk="1" latinLnBrk="0" hangingPunct="1">
+              <a:spcBef>
+                <a:spcPct val="20000"/>
+              </a:spcBef>
+              <a:spcAft>
+                <a:spcPts val="600"/>
+              </a:spcAft>
+              <a:buClr>
+                <a:schemeClr val="accent1">
+                  <a:lumMod val="75000"/>
+                </a:schemeClr>
+              </a:buClr>
+              <a:buSzPct val="145000"/>
+              <a:buFont typeface="Arial"/>
+              <a:buChar char="•"/>
+              <a:defRPr sz="2000" kern="1200" cap="none">
+                <a:solidFill>
+                  <a:schemeClr val="tx1"/>
+                </a:solidFill>
+                <a:effectLst/>
+                <a:latin typeface="+mn-lt"/>
+                <a:ea typeface="+mn-ea"/>
+                <a:cs typeface="+mn-cs"/>
+              </a:defRPr>
+            </a:lvl2pPr>
+            <a:lvl3pPr marL="1200150" indent="-285750" algn="l" defTabSz="457200" rtl="0" eaLnBrk="1" latinLnBrk="0" hangingPunct="1">
+              <a:spcBef>
+                <a:spcPct val="20000"/>
+              </a:spcBef>
+              <a:spcAft>
+                <a:spcPts val="600"/>
+              </a:spcAft>
+              <a:buClr>
+                <a:schemeClr val="accent1">
+                  <a:lumMod val="75000"/>
+                </a:schemeClr>
+              </a:buClr>
+              <a:buSzPct val="145000"/>
+              <a:buFont typeface="Arial"/>
+              <a:buChar char="•"/>
+              <a:defRPr sz="1800" kern="1200" cap="none">
+                <a:solidFill>
+                  <a:schemeClr val="tx1"/>
+                </a:solidFill>
+                <a:effectLst/>
+                <a:latin typeface="+mn-lt"/>
+                <a:ea typeface="+mn-ea"/>
+                <a:cs typeface="+mn-cs"/>
+              </a:defRPr>
+            </a:lvl3pPr>
+            <a:lvl4pPr marL="1543050" indent="-171450" algn="l" defTabSz="457200" rtl="0" eaLnBrk="1" latinLnBrk="0" hangingPunct="1">
+              <a:spcBef>
+                <a:spcPct val="20000"/>
+              </a:spcBef>
+              <a:spcAft>
+                <a:spcPts val="600"/>
+              </a:spcAft>
+              <a:buClr>
+                <a:schemeClr val="accent1">
+                  <a:lumMod val="75000"/>
+                </a:schemeClr>
+              </a:buClr>
+              <a:buSzPct val="145000"/>
+              <a:buFont typeface="Arial"/>
+              <a:buChar char="•"/>
+              <a:defRPr sz="1600" kern="1200" cap="none">
+                <a:solidFill>
+                  <a:schemeClr val="tx1"/>
+                </a:solidFill>
+                <a:effectLst/>
+                <a:latin typeface="+mn-lt"/>
+                <a:ea typeface="+mn-ea"/>
+                <a:cs typeface="+mn-cs"/>
+              </a:defRPr>
+            </a:lvl4pPr>
+            <a:lvl5pPr marL="2000250" indent="-171450" algn="l" defTabSz="457200" rtl="0" eaLnBrk="1" latinLnBrk="0" hangingPunct="1">
+              <a:spcBef>
+                <a:spcPct val="20000"/>
+              </a:spcBef>
+              <a:spcAft>
+                <a:spcPts val="600"/>
+              </a:spcAft>
+              <a:buClr>
+                <a:schemeClr val="accent1">
+                  <a:lumMod val="75000"/>
+                </a:schemeClr>
+              </a:buClr>
+              <a:buSzPct val="145000"/>
+              <a:buFont typeface="Arial"/>
+              <a:buChar char="•"/>
+              <a:defRPr sz="1400" kern="1200" cap="none">
+                <a:solidFill>
+                  <a:schemeClr val="tx1"/>
+                </a:solidFill>
+                <a:effectLst/>
+                <a:latin typeface="+mn-lt"/>
+                <a:ea typeface="+mn-ea"/>
+                <a:cs typeface="+mn-cs"/>
+              </a:defRPr>
+            </a:lvl5pPr>
+            <a:lvl6pPr marL="2514600" indent="-228600" algn="l" defTabSz="457200" rtl="0" eaLnBrk="1" latinLnBrk="0" hangingPunct="1">
+              <a:spcBef>
+                <a:spcPct val="20000"/>
+              </a:spcBef>
+              <a:spcAft>
+                <a:spcPts val="600"/>
+              </a:spcAft>
+              <a:buClr>
+                <a:schemeClr val="accent1">
+                  <a:lumMod val="75000"/>
+                </a:schemeClr>
+              </a:buClr>
+              <a:buSzPct val="145000"/>
+              <a:buFont typeface="Arial"/>
+              <a:buChar char="•"/>
+              <a:defRPr sz="1400" kern="1200" cap="none">
+                <a:solidFill>
+                  <a:schemeClr val="tx1"/>
+                </a:solidFill>
+                <a:effectLst/>
+                <a:latin typeface="+mn-lt"/>
+                <a:ea typeface="+mn-ea"/>
+                <a:cs typeface="+mn-cs"/>
+              </a:defRPr>
+            </a:lvl6pPr>
+            <a:lvl7pPr marL="2971800" indent="-228600" algn="l" defTabSz="457200" rtl="0" eaLnBrk="1" latinLnBrk="0" hangingPunct="1">
+              <a:spcBef>
+                <a:spcPct val="20000"/>
+              </a:spcBef>
+              <a:spcAft>
+                <a:spcPts val="600"/>
+              </a:spcAft>
+              <a:buClr>
+                <a:schemeClr val="accent1">
+                  <a:lumMod val="75000"/>
+                </a:schemeClr>
+              </a:buClr>
+              <a:buSzPct val="145000"/>
+              <a:buFont typeface="Arial"/>
+              <a:buChar char="•"/>
+              <a:defRPr sz="1400" kern="1200" cap="none">
+                <a:solidFill>
+                  <a:schemeClr val="tx1"/>
+                </a:solidFill>
+                <a:effectLst/>
+                <a:latin typeface="+mn-lt"/>
+                <a:ea typeface="+mn-ea"/>
+                <a:cs typeface="+mn-cs"/>
+              </a:defRPr>
+            </a:lvl7pPr>
+            <a:lvl8pPr marL="3429000" indent="-228600" algn="l" defTabSz="457200" rtl="0" eaLnBrk="1" latinLnBrk="0" hangingPunct="1">
+              <a:spcBef>
+                <a:spcPct val="20000"/>
+              </a:spcBef>
+              <a:spcAft>
+                <a:spcPts val="600"/>
+              </a:spcAft>
+              <a:buClr>
+                <a:schemeClr val="accent1">
+                  <a:lumMod val="75000"/>
+                </a:schemeClr>
+              </a:buClr>
+              <a:buSzPct val="145000"/>
+              <a:buFont typeface="Arial"/>
+              <a:buChar char="•"/>
+              <a:defRPr sz="1400" kern="1200" cap="none">
+                <a:solidFill>
+                  <a:schemeClr val="tx1"/>
+                </a:solidFill>
+                <a:effectLst/>
+                <a:latin typeface="+mn-lt"/>
+                <a:ea typeface="+mn-ea"/>
+                <a:cs typeface="+mn-cs"/>
+              </a:defRPr>
+            </a:lvl8pPr>
+            <a:lvl9pPr marL="3886200" indent="-228600" algn="l" defTabSz="457200" rtl="0" eaLnBrk="1" latinLnBrk="0" hangingPunct="1">
+              <a:spcBef>
+                <a:spcPct val="20000"/>
+              </a:spcBef>
+              <a:spcAft>
+                <a:spcPts val="600"/>
+              </a:spcAft>
+              <a:buClr>
+                <a:schemeClr val="accent1">
+                  <a:lumMod val="75000"/>
+                </a:schemeClr>
+              </a:buClr>
+              <a:buSzPct val="145000"/>
+              <a:buFont typeface="Arial"/>
+              <a:buChar char="•"/>
+              <a:defRPr sz="1400" kern="1200" cap="none">
+                <a:solidFill>
+                  <a:schemeClr val="tx1"/>
+                </a:solidFill>
+                <a:effectLst/>
+                <a:latin typeface="+mn-lt"/>
+                <a:ea typeface="+mn-ea"/>
+                <a:cs typeface="+mn-cs"/>
+              </a:defRPr>
+            </a:lvl9pPr>
+          </a:lstStyle>
+          <a:p>
+            <a:pPr marL="0" indent="0" algn="r">
+              <a:buFont typeface="Arial"/>
+              <a:buNone/>
+            </a:pPr>
+            <a:endParaRPr lang="fr-CH" b="1" dirty="0" smtClean="0"/>
+          </a:p>
+          <a:p>
+            <a:pPr marL="0" indent="0" algn="r">
+              <a:buFont typeface="Arial"/>
+              <a:buNone/>
+            </a:pPr>
+            <a:endParaRPr lang="fr-CH" b="1" dirty="0"/>
+          </a:p>
+          <a:p>
+            <a:pPr marL="0" indent="0" algn="r">
+              <a:buFont typeface="Arial"/>
+              <a:buNone/>
+            </a:pPr>
+            <a:endParaRPr lang="fr-CH" b="1" dirty="0" smtClean="0"/>
+          </a:p>
+          <a:p>
+            <a:pPr marL="0" indent="0" algn="r">
+              <a:buFont typeface="Arial"/>
+              <a:buNone/>
+            </a:pPr>
+            <a:endParaRPr lang="fr-CH" b="1" dirty="0"/>
+          </a:p>
+          <a:p>
+            <a:pPr marL="0" indent="0" algn="r">
+              <a:buFont typeface="Arial"/>
+              <a:buNone/>
+            </a:pPr>
+            <a:endParaRPr lang="fr-CH" b="1" dirty="0" smtClean="0"/>
+          </a:p>
+          <a:p>
+            <a:pPr marL="0" indent="0" algn="r">
+              <a:buFont typeface="Arial"/>
+              <a:buNone/>
+            </a:pPr>
+            <a:endParaRPr lang="fr-CH" b="1" dirty="0"/>
+          </a:p>
+          <a:p>
+            <a:pPr marL="0" indent="0" algn="r">
+              <a:buFont typeface="Arial"/>
+              <a:buNone/>
+            </a:pPr>
+            <a:endParaRPr lang="fr-CH" b="1" dirty="0" smtClean="0"/>
+          </a:p>
+          <a:p>
+            <a:pPr marL="0" indent="0" algn="r">
+              <a:buFont typeface="Arial"/>
+              <a:buNone/>
+            </a:pPr>
+            <a:endParaRPr lang="fr-CH" b="1" dirty="0"/>
+          </a:p>
+          <a:p>
+            <a:pPr marL="0" indent="0" algn="r">
+              <a:buFont typeface="Arial"/>
+              <a:buNone/>
+            </a:pPr>
+            <a:endParaRPr lang="fr-CH" b="1" dirty="0" smtClean="0"/>
+          </a:p>
+          <a:p>
+            <a:pPr marL="0" indent="0" algn="r">
+              <a:buFont typeface="Arial"/>
+              <a:buNone/>
+            </a:pPr>
+            <a:endParaRPr lang="fr-CH" b="1" dirty="0"/>
+          </a:p>
+          <a:p>
+            <a:pPr marL="0" indent="0" algn="r">
+              <a:buFont typeface="Arial"/>
+              <a:buNone/>
+            </a:pPr>
+            <a:endParaRPr lang="fr-CH" b="1" dirty="0" smtClean="0"/>
+          </a:p>
+          <a:p>
+            <a:pPr marL="0" indent="0" algn="r">
+              <a:buFont typeface="Arial"/>
+              <a:buNone/>
+            </a:pPr>
+            <a:endParaRPr lang="fr-CH" b="1" dirty="0"/>
+          </a:p>
+          <a:p>
+            <a:pPr marL="0" indent="0" algn="r">
+              <a:buFont typeface="Arial"/>
+              <a:buNone/>
+            </a:pPr>
+            <a:endParaRPr lang="fr-CH" b="1" dirty="0" smtClean="0"/>
+          </a:p>
+          <a:p>
+            <a:pPr marL="0" indent="0" algn="r">
+              <a:buFont typeface="Arial"/>
+              <a:buNone/>
+            </a:pPr>
+            <a:endParaRPr lang="fr-CH" b="1" dirty="0"/>
+          </a:p>
+          <a:p>
+            <a:pPr marL="0" indent="0" algn="r">
+              <a:buFont typeface="Arial"/>
+              <a:buNone/>
+            </a:pPr>
+            <a:endParaRPr lang="fr-CH" b="1" dirty="0" smtClean="0"/>
+          </a:p>
+          <a:p>
+            <a:pPr marL="0" indent="0" algn="r">
+              <a:buFont typeface="Arial"/>
+              <a:buNone/>
+            </a:pPr>
+            <a:endParaRPr lang="fr-CH" b="1" dirty="0"/>
+          </a:p>
+          <a:p>
+            <a:pPr marL="0" indent="0" algn="r">
+              <a:buFont typeface="Arial"/>
+              <a:buNone/>
+            </a:pPr>
+            <a:endParaRPr lang="fr-CH" b="1" dirty="0" smtClean="0"/>
+          </a:p>
+          <a:p>
+            <a:pPr marL="0" indent="0" algn="r">
+              <a:buFont typeface="Arial"/>
+              <a:buNone/>
+            </a:pPr>
+            <a:endParaRPr lang="fr-CH" b="1" dirty="0"/>
+          </a:p>
+          <a:p>
+            <a:pPr marL="0" indent="0" algn="r">
+              <a:buFont typeface="Arial"/>
+              <a:buNone/>
+            </a:pPr>
+            <a:endParaRPr lang="fr-CH" b="1" dirty="0" smtClean="0"/>
+          </a:p>
+          <a:p>
+            <a:pPr marL="0" indent="0" algn="r">
+              <a:buFont typeface="Arial"/>
+              <a:buNone/>
+            </a:pPr>
+            <a:endParaRPr lang="fr-CH" b="1" dirty="0"/>
+          </a:p>
+          <a:p>
+            <a:pPr marL="0" indent="0" algn="r">
+              <a:buFont typeface="Arial"/>
+              <a:buNone/>
+            </a:pPr>
+            <a:endParaRPr lang="fr-CH" b="1" dirty="0" smtClean="0"/>
+          </a:p>
+          <a:p>
+            <a:pPr marL="0" indent="0" algn="r">
+              <a:buFont typeface="Arial"/>
+              <a:buNone/>
+            </a:pPr>
+            <a:endParaRPr lang="fr-CH" b="1" dirty="0"/>
+          </a:p>
+          <a:p>
+            <a:pPr marL="0" indent="0" algn="r">
+              <a:buFont typeface="Arial"/>
+              <a:buNone/>
+            </a:pPr>
+            <a:endParaRPr lang="fr-CH" b="1" dirty="0" smtClean="0"/>
+          </a:p>
+          <a:p>
+            <a:pPr marL="0" indent="0" algn="r">
+              <a:buFont typeface="Arial"/>
+              <a:buNone/>
+            </a:pPr>
+            <a:endParaRPr lang="fr-CH" b="1" dirty="0"/>
+          </a:p>
+          <a:p>
+            <a:pPr marL="0" indent="0" algn="r">
+              <a:buFont typeface="Arial"/>
+              <a:buNone/>
+            </a:pPr>
+            <a:endParaRPr lang="fr-CH" b="1" dirty="0" smtClean="0"/>
+          </a:p>
+          <a:p>
+            <a:pPr marL="0" indent="0" algn="r">
+              <a:buFont typeface="Arial"/>
+              <a:buNone/>
+            </a:pPr>
+            <a:endParaRPr lang="fr-CH" b="1" dirty="0"/>
+          </a:p>
+          <a:p>
+            <a:pPr marL="0" indent="0" algn="r">
+              <a:buFont typeface="Arial"/>
+              <a:buNone/>
+            </a:pPr>
+            <a:endParaRPr lang="fr-CH" b="1" dirty="0" smtClean="0"/>
+          </a:p>
+          <a:p>
+            <a:pPr marL="0" indent="0" algn="r">
+              <a:buFont typeface="Arial"/>
+              <a:buNone/>
+            </a:pPr>
+            <a:endParaRPr lang="fr-CH" b="1" dirty="0"/>
+          </a:p>
+          <a:p>
+            <a:pPr marL="0" indent="0" algn="r">
+              <a:buFont typeface="Arial"/>
+              <a:buNone/>
+            </a:pPr>
+            <a:endParaRPr lang="fr-CH" b="1" dirty="0" smtClean="0"/>
+          </a:p>
+          <a:p>
+            <a:pPr marL="0" indent="0" algn="r">
+              <a:buFont typeface="Arial"/>
+              <a:buNone/>
+            </a:pPr>
+            <a:endParaRPr lang="fr-CH" b="1" dirty="0"/>
+          </a:p>
+          <a:p>
+            <a:pPr marL="0" indent="0" algn="r">
+              <a:buFont typeface="Arial"/>
+              <a:buNone/>
+            </a:pPr>
+            <a:endParaRPr lang="fr-CH" b="1" dirty="0" smtClean="0"/>
+          </a:p>
+          <a:p>
+            <a:pPr marL="0" indent="0" algn="r">
+              <a:buFont typeface="Arial"/>
+              <a:buNone/>
+            </a:pPr>
+            <a:endParaRPr lang="fr-CH" b="1" dirty="0"/>
+          </a:p>
+          <a:p>
+            <a:pPr marL="0" indent="0" algn="r">
+              <a:buFont typeface="Arial"/>
+              <a:buNone/>
+            </a:pPr>
+            <a:endParaRPr lang="fr-CH" b="1" dirty="0" smtClean="0"/>
+          </a:p>
+          <a:p>
+            <a:pPr marL="0" indent="0" algn="r">
+              <a:buFont typeface="Arial"/>
+              <a:buNone/>
+            </a:pPr>
+            <a:endParaRPr lang="fr-CH" b="1" dirty="0"/>
+          </a:p>
+          <a:p>
+            <a:pPr marL="0" indent="0" algn="r">
+              <a:buFont typeface="Arial"/>
+              <a:buNone/>
+            </a:pPr>
+            <a:endParaRPr lang="fr-CH" b="1" dirty="0" smtClean="0"/>
+          </a:p>
+          <a:p>
+            <a:pPr marL="0" indent="0" algn="r">
+              <a:buFont typeface="Arial"/>
+              <a:buNone/>
+            </a:pPr>
+            <a:endParaRPr lang="fr-CH" b="1" dirty="0"/>
+          </a:p>
+          <a:p>
+            <a:pPr marL="0" indent="0" algn="r">
+              <a:buFont typeface="Arial"/>
+              <a:buNone/>
+            </a:pPr>
+            <a:endParaRPr lang="fr-CH" b="1" dirty="0" smtClean="0"/>
+          </a:p>
+          <a:p>
+            <a:pPr marL="0" indent="0" algn="r">
+              <a:buFont typeface="Arial"/>
+              <a:buNone/>
+            </a:pPr>
+            <a:endParaRPr lang="fr-CH" sz="8800" b="1" dirty="0" smtClean="0"/>
+          </a:p>
+          <a:p>
+            <a:pPr marL="0" indent="0" algn="r">
+              <a:buFont typeface="Arial"/>
+              <a:buNone/>
+            </a:pPr>
+            <a:r>
+              <a:rPr lang="fr-CH" sz="8800" b="1" dirty="0" smtClean="0"/>
+              <a:t>Que de créer des pages avec plusieurs fonctions</a:t>
+            </a:r>
+          </a:p>
+          <a:p>
+            <a:pPr marL="0" indent="0">
+              <a:buFont typeface="Arial"/>
+              <a:buNone/>
+            </a:pPr>
+            <a:endParaRPr lang="fr-CH" b="1" dirty="0" smtClean="0"/>
+          </a:p>
+          <a:p>
+            <a:pPr marL="0" indent="0">
+              <a:buFont typeface="Arial"/>
+              <a:buNone/>
+            </a:pPr>
+            <a:endParaRPr lang="fr-CH" b="1" dirty="0" smtClean="0"/>
+          </a:p>
+          <a:p>
+            <a:pPr marL="0" indent="0">
+              <a:buFont typeface="Arial"/>
+              <a:buNone/>
+            </a:pPr>
+            <a:endParaRPr lang="fr-CH" b="1" dirty="0" smtClean="0"/>
+          </a:p>
+          <a:p>
+            <a:pPr marL="0" indent="0">
+              <a:buFont typeface="Arial"/>
+              <a:buNone/>
+            </a:pPr>
+            <a:endParaRPr lang="fr-CH" b="1" dirty="0" smtClean="0"/>
+          </a:p>
+          <a:p>
+            <a:pPr marL="0" indent="0">
+              <a:buFont typeface="Arial"/>
+              <a:buNone/>
+            </a:pPr>
+            <a:endParaRPr lang="fr-CH" b="1" dirty="0" smtClean="0"/>
+          </a:p>
+          <a:p>
+            <a:pPr marL="0" indent="0">
+              <a:buFont typeface="Arial"/>
+              <a:buNone/>
+            </a:pPr>
+            <a:endParaRPr lang="fr-CH" b="1" dirty="0" smtClean="0"/>
+          </a:p>
+          <a:p>
+            <a:pPr marL="0" indent="0">
+              <a:buFont typeface="Arial"/>
+              <a:buNone/>
+            </a:pPr>
+            <a:endParaRPr lang="fr-CH" b="1" dirty="0" smtClean="0"/>
+          </a:p>
+          <a:p>
+            <a:pPr marL="0" indent="0">
+              <a:buFont typeface="Arial"/>
+              <a:buNone/>
+            </a:pPr>
+            <a:endParaRPr lang="fr-CH" b="1" dirty="0" smtClean="0"/>
+          </a:p>
+          <a:p>
+            <a:pPr marL="0" indent="0">
+              <a:buFont typeface="Arial"/>
+              <a:buNone/>
+            </a:pPr>
+            <a:endParaRPr lang="fr-CH" b="1" dirty="0"/>
+          </a:p>
+        </p:txBody>
+      </p:sp>
+    </p:spTree>
+    <p:extLst>
+      <p:ext uri="{BB962C8B-B14F-4D97-AF65-F5344CB8AC3E}">
+        <p14:creationId xmlns:p14="http://schemas.microsoft.com/office/powerpoint/2010/main" val="1390067604"/>
       </p:ext>
     </p:extLst>
   </p:cSld>

--- a/Presentation_Projet_PreTPI_Site_PIKA.pptx
+++ b/Presentation_Projet_PreTPI_Site_PIKA.pptx
@@ -12,6 +12,7 @@
     <p:sldId id="260" r:id="rId6"/>
     <p:sldId id="261" r:id="rId7"/>
     <p:sldId id="262" r:id="rId8"/>
+    <p:sldId id="263" r:id="rId9"/>
   </p:sldIdLst>
   <p:sldSz cx="12192000" cy="6858000"/>
   <p:notesSz cx="6858000" cy="9144000"/>
@@ -477,7 +478,7 @@
           </a:lstStyle>
           <a:p>
             <a:r>
-              <a:rPr lang="fr-FR" smtClean="0"/>
+              <a:rPr lang="fr-FR"/>
               <a:t>Modifiez le style du titre</a:t>
             </a:r>
             <a:endParaRPr lang="en-US" dirty="0"/>
@@ -596,7 +597,7 @@
           </a:lstStyle>
           <a:p>
             <a:r>
-              <a:rPr lang="fr-FR" smtClean="0"/>
+              <a:rPr lang="fr-FR"/>
               <a:t>Modifier le style des sous-titres du masque</a:t>
             </a:r>
             <a:endParaRPr lang="en-US" dirty="0"/>
@@ -620,7 +621,7 @@
           <a:p>
             <a:fld id="{E70E7258-0E2C-4100-A6BD-9FC5DF652BD1}" type="datetimeFigureOut">
               <a:rPr lang="fr-CH" smtClean="0"/>
-              <a:t>20.04.2018</a:t>
+              <a:t>26.04.2018</a:t>
             </a:fld>
             <a:endParaRPr lang="fr-CH"/>
           </a:p>
@@ -730,7 +731,7 @@
           </a:lstStyle>
           <a:p>
             <a:r>
-              <a:rPr lang="fr-FR" smtClean="0"/>
+              <a:rPr lang="fr-FR"/>
               <a:t>Modifiez le style du titre</a:t>
             </a:r>
             <a:endParaRPr lang="en-US" dirty="0"/>
@@ -825,7 +826,7 @@
           </a:lstStyle>
           <a:p>
             <a:r>
-              <a:rPr lang="fr-FR" smtClean="0"/>
+              <a:rPr lang="fr-FR"/>
               <a:t>Cliquez sur l'icône pour ajouter une image</a:t>
             </a:r>
             <a:endParaRPr lang="en-US" dirty="0"/>
@@ -893,7 +894,7 @@
           <a:p>
             <a:pPr lvl="0"/>
             <a:r>
-              <a:rPr lang="fr-FR" smtClean="0"/>
+              <a:rPr lang="fr-FR"/>
               <a:t>Modifier les styles du texte du masque</a:t>
             </a:r>
           </a:p>
@@ -916,7 +917,7 @@
           <a:p>
             <a:fld id="{E70E7258-0E2C-4100-A6BD-9FC5DF652BD1}" type="datetimeFigureOut">
               <a:rPr lang="fr-CH" smtClean="0"/>
-              <a:t>20.04.2018</a:t>
+              <a:t>26.04.2018</a:t>
             </a:fld>
             <a:endParaRPr lang="fr-CH"/>
           </a:p>
@@ -1021,7 +1022,7 @@
           </a:lstStyle>
           <a:p>
             <a:r>
-              <a:rPr lang="fr-FR" smtClean="0"/>
+              <a:rPr lang="fr-FR"/>
               <a:t>Modifiez le style du titre</a:t>
             </a:r>
             <a:endParaRPr lang="en-US" dirty="0"/>
@@ -1141,7 +1142,7 @@
           <a:p>
             <a:pPr lvl="0"/>
             <a:r>
-              <a:rPr lang="fr-FR" smtClean="0"/>
+              <a:rPr lang="fr-FR"/>
               <a:t>Modifier les styles du texte du masque</a:t>
             </a:r>
           </a:p>
@@ -1164,7 +1165,7 @@
           <a:p>
             <a:fld id="{E70E7258-0E2C-4100-A6BD-9FC5DF652BD1}" type="datetimeFigureOut">
               <a:rPr lang="fr-CH" smtClean="0"/>
-              <a:t>20.04.2018</a:t>
+              <a:t>26.04.2018</a:t>
             </a:fld>
             <a:endParaRPr lang="fr-CH"/>
           </a:p>
@@ -1505,7 +1506,7 @@
           </a:lstStyle>
           <a:p>
             <a:r>
-              <a:rPr lang="fr-FR" smtClean="0"/>
+              <a:rPr lang="fr-FR"/>
               <a:t>Modifiez le style du titre</a:t>
             </a:r>
             <a:endParaRPr lang="en-US" dirty="0"/>
@@ -1562,7 +1563,7 @@
           <a:p>
             <a:pPr lvl="0"/>
             <a:r>
-              <a:rPr lang="fr-FR" smtClean="0"/>
+              <a:rPr lang="fr-FR"/>
               <a:t>Modifier les styles du texte du masque</a:t>
             </a:r>
           </a:p>
@@ -1681,7 +1682,7 @@
           <a:p>
             <a:pPr lvl="0"/>
             <a:r>
-              <a:rPr lang="fr-FR" smtClean="0"/>
+              <a:rPr lang="fr-FR"/>
               <a:t>Modifier les styles du texte du masque</a:t>
             </a:r>
           </a:p>
@@ -1704,7 +1705,7 @@
           <a:p>
             <a:fld id="{E70E7258-0E2C-4100-A6BD-9FC5DF652BD1}" type="datetimeFigureOut">
               <a:rPr lang="fr-CH" smtClean="0"/>
-              <a:t>20.04.2018</a:t>
+              <a:t>26.04.2018</a:t>
             </a:fld>
             <a:endParaRPr lang="fr-CH"/>
           </a:p>
@@ -1809,7 +1810,7 @@
           </a:lstStyle>
           <a:p>
             <a:r>
-              <a:rPr lang="fr-FR" smtClean="0"/>
+              <a:rPr lang="fr-FR"/>
               <a:t>Modifiez le style du titre</a:t>
             </a:r>
             <a:endParaRPr lang="en-US" dirty="0"/>
@@ -1929,7 +1930,7 @@
           <a:p>
             <a:pPr lvl="0"/>
             <a:r>
-              <a:rPr lang="fr-FR" smtClean="0"/>
+              <a:rPr lang="fr-FR"/>
               <a:t>Modifier les styles du texte du masque</a:t>
             </a:r>
           </a:p>
@@ -1952,7 +1953,7 @@
           <a:p>
             <a:fld id="{E70E7258-0E2C-4100-A6BD-9FC5DF652BD1}" type="datetimeFigureOut">
               <a:rPr lang="fr-CH" smtClean="0"/>
-              <a:t>20.04.2018</a:t>
+              <a:t>26.04.2018</a:t>
             </a:fld>
             <a:endParaRPr lang="fr-CH"/>
           </a:p>
@@ -2293,7 +2294,7 @@
           </a:lstStyle>
           <a:p>
             <a:r>
-              <a:rPr lang="fr-FR" smtClean="0"/>
+              <a:rPr lang="fr-FR"/>
               <a:t>Modifiez le style du titre</a:t>
             </a:r>
             <a:endParaRPr lang="en-US" dirty="0"/>
@@ -2342,7 +2343,7 @@
               <a:buNone/>
             </a:pPr>
             <a:r>
-              <a:rPr lang="fr-FR" smtClean="0"/>
+              <a:rPr lang="fr-FR"/>
               <a:t>Modifier les styles du texte du masque</a:t>
             </a:r>
           </a:p>
@@ -2461,7 +2462,7 @@
           <a:p>
             <a:pPr lvl="0"/>
             <a:r>
-              <a:rPr lang="fr-FR" smtClean="0"/>
+              <a:rPr lang="fr-FR"/>
               <a:t>Modifier les styles du texte du masque</a:t>
             </a:r>
           </a:p>
@@ -2484,7 +2485,7 @@
           <a:p>
             <a:fld id="{E70E7258-0E2C-4100-A6BD-9FC5DF652BD1}" type="datetimeFigureOut">
               <a:rPr lang="fr-CH" smtClean="0"/>
-              <a:t>20.04.2018</a:t>
+              <a:t>26.04.2018</a:t>
             </a:fld>
             <a:endParaRPr lang="fr-CH"/>
           </a:p>
@@ -2590,7 +2591,7 @@
           <a:p>
             <a:pPr marL="0" lvl="0"/>
             <a:r>
-              <a:rPr lang="fr-FR" smtClean="0"/>
+              <a:rPr lang="fr-FR"/>
               <a:t>Modifiez le style du titre</a:t>
             </a:r>
             <a:endParaRPr lang="en-US" dirty="0"/>
@@ -2639,7 +2640,7 @@
               <a:buNone/>
             </a:pPr>
             <a:r>
-              <a:rPr lang="fr-FR" smtClean="0"/>
+              <a:rPr lang="fr-FR"/>
               <a:t>Modifier les styles du texte du masque</a:t>
             </a:r>
           </a:p>
@@ -2758,7 +2759,7 @@
           <a:p>
             <a:pPr lvl="0"/>
             <a:r>
-              <a:rPr lang="fr-FR" smtClean="0"/>
+              <a:rPr lang="fr-FR"/>
               <a:t>Modifier les styles du texte du masque</a:t>
             </a:r>
           </a:p>
@@ -2781,7 +2782,7 @@
           <a:p>
             <a:fld id="{E70E7258-0E2C-4100-A6BD-9FC5DF652BD1}" type="datetimeFigureOut">
               <a:rPr lang="fr-CH" smtClean="0"/>
-              <a:t>20.04.2018</a:t>
+              <a:t>26.04.2018</a:t>
             </a:fld>
             <a:endParaRPr lang="fr-CH"/>
           </a:p>
@@ -2879,7 +2880,7 @@
           </a:lstStyle>
           <a:p>
             <a:r>
-              <a:rPr lang="fr-FR" smtClean="0"/>
+              <a:rPr lang="fr-FR"/>
               <a:t>Modifiez le style du titre</a:t>
             </a:r>
             <a:endParaRPr lang="en-US" dirty="0"/>
@@ -2903,35 +2904,35 @@
           <a:p>
             <a:pPr lvl="0"/>
             <a:r>
-              <a:rPr lang="fr-FR" smtClean="0"/>
+              <a:rPr lang="fr-FR"/>
               <a:t>Modifier les styles du texte du masque</a:t>
             </a:r>
           </a:p>
           <a:p>
             <a:pPr lvl="1"/>
             <a:r>
-              <a:rPr lang="fr-FR" smtClean="0"/>
+              <a:rPr lang="fr-FR"/>
               <a:t>Deuxième niveau</a:t>
             </a:r>
           </a:p>
           <a:p>
             <a:pPr lvl="2"/>
             <a:r>
-              <a:rPr lang="fr-FR" smtClean="0"/>
+              <a:rPr lang="fr-FR"/>
               <a:t>Troisième niveau</a:t>
             </a:r>
           </a:p>
           <a:p>
             <a:pPr lvl="3"/>
             <a:r>
-              <a:rPr lang="fr-FR" smtClean="0"/>
+              <a:rPr lang="fr-FR"/>
               <a:t>Quatrième niveau</a:t>
             </a:r>
           </a:p>
           <a:p>
             <a:pPr lvl="4"/>
             <a:r>
-              <a:rPr lang="fr-FR" smtClean="0"/>
+              <a:rPr lang="fr-FR"/>
               <a:t>Cinquième niveau</a:t>
             </a:r>
             <a:endParaRPr lang="en-US" dirty="0"/>
@@ -2955,7 +2956,7 @@
           <a:p>
             <a:fld id="{E70E7258-0E2C-4100-A6BD-9FC5DF652BD1}" type="datetimeFigureOut">
               <a:rPr lang="fr-CH" smtClean="0"/>
-              <a:t>20.04.2018</a:t>
+              <a:t>26.04.2018</a:t>
             </a:fld>
             <a:endParaRPr lang="fr-CH"/>
           </a:p>
@@ -3054,7 +3055,7 @@
           <a:lstStyle/>
           <a:p>
             <a:r>
-              <a:rPr lang="fr-FR" smtClean="0"/>
+              <a:rPr lang="fr-FR"/>
               <a:t>Modifiez le style du titre</a:t>
             </a:r>
             <a:endParaRPr lang="en-US" dirty="0"/>
@@ -3083,35 +3084,35 @@
           <a:p>
             <a:pPr lvl="0"/>
             <a:r>
-              <a:rPr lang="fr-FR" smtClean="0"/>
+              <a:rPr lang="fr-FR"/>
               <a:t>Modifier les styles du texte du masque</a:t>
             </a:r>
           </a:p>
           <a:p>
             <a:pPr lvl="1"/>
             <a:r>
-              <a:rPr lang="fr-FR" smtClean="0"/>
+              <a:rPr lang="fr-FR"/>
               <a:t>Deuxième niveau</a:t>
             </a:r>
           </a:p>
           <a:p>
             <a:pPr lvl="2"/>
             <a:r>
-              <a:rPr lang="fr-FR" smtClean="0"/>
+              <a:rPr lang="fr-FR"/>
               <a:t>Troisième niveau</a:t>
             </a:r>
           </a:p>
           <a:p>
             <a:pPr lvl="3"/>
             <a:r>
-              <a:rPr lang="fr-FR" smtClean="0"/>
+              <a:rPr lang="fr-FR"/>
               <a:t>Quatrième niveau</a:t>
             </a:r>
           </a:p>
           <a:p>
             <a:pPr lvl="4"/>
             <a:r>
-              <a:rPr lang="fr-FR" smtClean="0"/>
+              <a:rPr lang="fr-FR"/>
               <a:t>Cinquième niveau</a:t>
             </a:r>
             <a:endParaRPr lang="en-US" dirty="0"/>
@@ -3135,7 +3136,7 @@
           <a:p>
             <a:fld id="{E70E7258-0E2C-4100-A6BD-9FC5DF652BD1}" type="datetimeFigureOut">
               <a:rPr lang="fr-CH" smtClean="0"/>
-              <a:t>20.04.2018</a:t>
+              <a:t>26.04.2018</a:t>
             </a:fld>
             <a:endParaRPr lang="fr-CH"/>
           </a:p>
@@ -3229,7 +3230,7 @@
           <a:lstStyle/>
           <a:p>
             <a:r>
-              <a:rPr lang="fr-FR" smtClean="0"/>
+              <a:rPr lang="fr-FR"/>
               <a:t>Modifiez le style du titre</a:t>
             </a:r>
             <a:endParaRPr lang="en-US" dirty="0"/>
@@ -3253,35 +3254,35 @@
           <a:p>
             <a:pPr lvl="0"/>
             <a:r>
-              <a:rPr lang="fr-FR" smtClean="0"/>
+              <a:rPr lang="fr-FR"/>
               <a:t>Modifier les styles du texte du masque</a:t>
             </a:r>
           </a:p>
           <a:p>
             <a:pPr lvl="1"/>
             <a:r>
-              <a:rPr lang="fr-FR" smtClean="0"/>
+              <a:rPr lang="fr-FR"/>
               <a:t>Deuxième niveau</a:t>
             </a:r>
           </a:p>
           <a:p>
             <a:pPr lvl="2"/>
             <a:r>
-              <a:rPr lang="fr-FR" smtClean="0"/>
+              <a:rPr lang="fr-FR"/>
               <a:t>Troisième niveau</a:t>
             </a:r>
           </a:p>
           <a:p>
             <a:pPr lvl="3"/>
             <a:r>
-              <a:rPr lang="fr-FR" smtClean="0"/>
+              <a:rPr lang="fr-FR"/>
               <a:t>Quatrième niveau</a:t>
             </a:r>
           </a:p>
           <a:p>
             <a:pPr lvl="4"/>
             <a:r>
-              <a:rPr lang="fr-FR" smtClean="0"/>
+              <a:rPr lang="fr-FR"/>
               <a:t>Cinquième niveau</a:t>
             </a:r>
             <a:endParaRPr lang="en-US" dirty="0"/>
@@ -3305,7 +3306,7 @@
           <a:p>
             <a:fld id="{E70E7258-0E2C-4100-A6BD-9FC5DF652BD1}" type="datetimeFigureOut">
               <a:rPr lang="fr-CH" smtClean="0"/>
-              <a:t>20.04.2018</a:t>
+              <a:t>26.04.2018</a:t>
             </a:fld>
             <a:endParaRPr lang="fr-CH"/>
           </a:p>
@@ -3413,7 +3414,7 @@
           </a:lstStyle>
           <a:p>
             <a:r>
-              <a:rPr lang="fr-FR" smtClean="0"/>
+              <a:rPr lang="fr-FR"/>
               <a:t>Modifiez le style du titre</a:t>
             </a:r>
             <a:endParaRPr lang="en-US" dirty="0"/>
@@ -3533,7 +3534,7 @@
           <a:p>
             <a:pPr lvl="0"/>
             <a:r>
-              <a:rPr lang="fr-FR" smtClean="0"/>
+              <a:rPr lang="fr-FR"/>
               <a:t>Modifier les styles du texte du masque</a:t>
             </a:r>
           </a:p>
@@ -3556,7 +3557,7 @@
           <a:p>
             <a:fld id="{E70E7258-0E2C-4100-A6BD-9FC5DF652BD1}" type="datetimeFigureOut">
               <a:rPr lang="fr-CH" smtClean="0"/>
-              <a:t>20.04.2018</a:t>
+              <a:t>26.04.2018</a:t>
             </a:fld>
             <a:endParaRPr lang="fr-CH"/>
           </a:p>
@@ -3655,7 +3656,7 @@
           <a:lstStyle/>
           <a:p>
             <a:r>
-              <a:rPr lang="fr-FR" smtClean="0"/>
+              <a:rPr lang="fr-FR"/>
               <a:t>Modifiez le style du titre</a:t>
             </a:r>
             <a:endParaRPr lang="en-US" dirty="0"/>
@@ -3714,35 +3715,35 @@
           <a:p>
             <a:pPr lvl="0"/>
             <a:r>
-              <a:rPr lang="fr-FR" smtClean="0"/>
+              <a:rPr lang="fr-FR"/>
               <a:t>Modifier les styles du texte du masque</a:t>
             </a:r>
           </a:p>
           <a:p>
             <a:pPr lvl="1"/>
             <a:r>
-              <a:rPr lang="fr-FR" smtClean="0"/>
+              <a:rPr lang="fr-FR"/>
               <a:t>Deuxième niveau</a:t>
             </a:r>
           </a:p>
           <a:p>
             <a:pPr lvl="2"/>
             <a:r>
-              <a:rPr lang="fr-FR" smtClean="0"/>
+              <a:rPr lang="fr-FR"/>
               <a:t>Troisième niveau</a:t>
             </a:r>
           </a:p>
           <a:p>
             <a:pPr lvl="3"/>
             <a:r>
-              <a:rPr lang="fr-FR" smtClean="0"/>
+              <a:rPr lang="fr-FR"/>
               <a:t>Quatrième niveau</a:t>
             </a:r>
           </a:p>
           <a:p>
             <a:pPr lvl="4"/>
             <a:r>
-              <a:rPr lang="fr-FR" smtClean="0"/>
+              <a:rPr lang="fr-FR"/>
               <a:t>Cinquième niveau</a:t>
             </a:r>
             <a:endParaRPr lang="en-US" dirty="0"/>
@@ -3801,35 +3802,35 @@
           <a:p>
             <a:pPr lvl="0"/>
             <a:r>
-              <a:rPr lang="fr-FR" smtClean="0"/>
+              <a:rPr lang="fr-FR"/>
               <a:t>Modifier les styles du texte du masque</a:t>
             </a:r>
           </a:p>
           <a:p>
             <a:pPr lvl="1"/>
             <a:r>
-              <a:rPr lang="fr-FR" smtClean="0"/>
+              <a:rPr lang="fr-FR"/>
               <a:t>Deuxième niveau</a:t>
             </a:r>
           </a:p>
           <a:p>
             <a:pPr lvl="2"/>
             <a:r>
-              <a:rPr lang="fr-FR" smtClean="0"/>
+              <a:rPr lang="fr-FR"/>
               <a:t>Troisième niveau</a:t>
             </a:r>
           </a:p>
           <a:p>
             <a:pPr lvl="3"/>
             <a:r>
-              <a:rPr lang="fr-FR" smtClean="0"/>
+              <a:rPr lang="fr-FR"/>
               <a:t>Quatrième niveau</a:t>
             </a:r>
           </a:p>
           <a:p>
             <a:pPr lvl="4"/>
             <a:r>
-              <a:rPr lang="fr-FR" smtClean="0"/>
+              <a:rPr lang="fr-FR"/>
               <a:t>Cinquième niveau</a:t>
             </a:r>
             <a:endParaRPr lang="en-US" dirty="0"/>
@@ -3853,7 +3854,7 @@
           <a:p>
             <a:fld id="{E70E7258-0E2C-4100-A6BD-9FC5DF652BD1}" type="datetimeFigureOut">
               <a:rPr lang="fr-CH" smtClean="0"/>
-              <a:t>20.04.2018</a:t>
+              <a:t>26.04.2018</a:t>
             </a:fld>
             <a:endParaRPr lang="fr-CH"/>
           </a:p>
@@ -3951,7 +3952,7 @@
           </a:lstStyle>
           <a:p>
             <a:r>
-              <a:rPr lang="fr-FR" smtClean="0"/>
+              <a:rPr lang="fr-FR"/>
               <a:t>Modifiez le style du titre</a:t>
             </a:r>
             <a:endParaRPr lang="en-US" dirty="0"/>
@@ -4025,7 +4026,7 @@
           <a:p>
             <a:pPr lvl="0"/>
             <a:r>
-              <a:rPr lang="fr-FR" smtClean="0"/>
+              <a:rPr lang="fr-FR"/>
               <a:t>Modifier les styles du texte du masque</a:t>
             </a:r>
           </a:p>
@@ -4083,35 +4084,35 @@
           <a:p>
             <a:pPr lvl="0"/>
             <a:r>
-              <a:rPr lang="fr-FR" smtClean="0"/>
+              <a:rPr lang="fr-FR"/>
               <a:t>Modifier les styles du texte du masque</a:t>
             </a:r>
           </a:p>
           <a:p>
             <a:pPr lvl="1"/>
             <a:r>
-              <a:rPr lang="fr-FR" smtClean="0"/>
+              <a:rPr lang="fr-FR"/>
               <a:t>Deuxième niveau</a:t>
             </a:r>
           </a:p>
           <a:p>
             <a:pPr lvl="2"/>
             <a:r>
-              <a:rPr lang="fr-FR" smtClean="0"/>
+              <a:rPr lang="fr-FR"/>
               <a:t>Troisième niveau</a:t>
             </a:r>
           </a:p>
           <a:p>
             <a:pPr lvl="3"/>
             <a:r>
-              <a:rPr lang="fr-FR" smtClean="0"/>
+              <a:rPr lang="fr-FR"/>
               <a:t>Quatrième niveau</a:t>
             </a:r>
           </a:p>
           <a:p>
             <a:pPr lvl="4"/>
             <a:r>
-              <a:rPr lang="fr-FR" smtClean="0"/>
+              <a:rPr lang="fr-FR"/>
               <a:t>Cinquième niveau</a:t>
             </a:r>
             <a:endParaRPr lang="en-US" dirty="0"/>
@@ -4185,7 +4186,7 @@
           <a:p>
             <a:pPr lvl="0"/>
             <a:r>
-              <a:rPr lang="fr-FR" smtClean="0"/>
+              <a:rPr lang="fr-FR"/>
               <a:t>Modifier les styles du texte du masque</a:t>
             </a:r>
           </a:p>
@@ -4243,35 +4244,35 @@
           <a:p>
             <a:pPr lvl="0"/>
             <a:r>
-              <a:rPr lang="fr-FR" smtClean="0"/>
+              <a:rPr lang="fr-FR"/>
               <a:t>Modifier les styles du texte du masque</a:t>
             </a:r>
           </a:p>
           <a:p>
             <a:pPr lvl="1"/>
             <a:r>
-              <a:rPr lang="fr-FR" smtClean="0"/>
+              <a:rPr lang="fr-FR"/>
               <a:t>Deuxième niveau</a:t>
             </a:r>
           </a:p>
           <a:p>
             <a:pPr lvl="2"/>
             <a:r>
-              <a:rPr lang="fr-FR" smtClean="0"/>
+              <a:rPr lang="fr-FR"/>
               <a:t>Troisième niveau</a:t>
             </a:r>
           </a:p>
           <a:p>
             <a:pPr lvl="3"/>
             <a:r>
-              <a:rPr lang="fr-FR" smtClean="0"/>
+              <a:rPr lang="fr-FR"/>
               <a:t>Quatrième niveau</a:t>
             </a:r>
           </a:p>
           <a:p>
             <a:pPr lvl="4"/>
             <a:r>
-              <a:rPr lang="fr-FR" smtClean="0"/>
+              <a:rPr lang="fr-FR"/>
               <a:t>Cinquième niveau</a:t>
             </a:r>
             <a:endParaRPr lang="en-US" dirty="0"/>
@@ -4295,7 +4296,7 @@
           <a:p>
             <a:fld id="{E70E7258-0E2C-4100-A6BD-9FC5DF652BD1}" type="datetimeFigureOut">
               <a:rPr lang="fr-CH" smtClean="0"/>
-              <a:t>20.04.2018</a:t>
+              <a:t>26.04.2018</a:t>
             </a:fld>
             <a:endParaRPr lang="fr-CH"/>
           </a:p>
@@ -4389,7 +4390,7 @@
           <a:lstStyle/>
           <a:p>
             <a:r>
-              <a:rPr lang="fr-FR" smtClean="0"/>
+              <a:rPr lang="fr-FR"/>
               <a:t>Modifiez le style du titre</a:t>
             </a:r>
             <a:endParaRPr lang="en-US" dirty="0"/>
@@ -4413,7 +4414,7 @@
           <a:p>
             <a:fld id="{E70E7258-0E2C-4100-A6BD-9FC5DF652BD1}" type="datetimeFigureOut">
               <a:rPr lang="fr-CH" smtClean="0"/>
-              <a:t>20.04.2018</a:t>
+              <a:t>26.04.2018</a:t>
             </a:fld>
             <a:endParaRPr lang="fr-CH"/>
           </a:p>
@@ -4508,7 +4509,7 @@
           <a:p>
             <a:fld id="{E70E7258-0E2C-4100-A6BD-9FC5DF652BD1}" type="datetimeFigureOut">
               <a:rPr lang="fr-CH" smtClean="0"/>
-              <a:t>20.04.2018</a:t>
+              <a:t>26.04.2018</a:t>
             </a:fld>
             <a:endParaRPr lang="fr-CH"/>
           </a:p>
@@ -4613,7 +4614,7 @@
           </a:lstStyle>
           <a:p>
             <a:r>
-              <a:rPr lang="fr-FR" smtClean="0"/>
+              <a:rPr lang="fr-FR"/>
               <a:t>Modifiez le style du titre</a:t>
             </a:r>
             <a:endParaRPr lang="en-US" dirty="0"/>
@@ -4672,35 +4673,35 @@
           <a:p>
             <a:pPr lvl="0"/>
             <a:r>
-              <a:rPr lang="fr-FR" smtClean="0"/>
+              <a:rPr lang="fr-FR"/>
               <a:t>Modifier les styles du texte du masque</a:t>
             </a:r>
           </a:p>
           <a:p>
             <a:pPr lvl="1"/>
             <a:r>
-              <a:rPr lang="fr-FR" smtClean="0"/>
+              <a:rPr lang="fr-FR"/>
               <a:t>Deuxième niveau</a:t>
             </a:r>
           </a:p>
           <a:p>
             <a:pPr lvl="2"/>
             <a:r>
-              <a:rPr lang="fr-FR" smtClean="0"/>
+              <a:rPr lang="fr-FR"/>
               <a:t>Troisième niveau</a:t>
             </a:r>
           </a:p>
           <a:p>
             <a:pPr lvl="3"/>
             <a:r>
-              <a:rPr lang="fr-FR" smtClean="0"/>
+              <a:rPr lang="fr-FR"/>
               <a:t>Quatrième niveau</a:t>
             </a:r>
           </a:p>
           <a:p>
             <a:pPr lvl="4"/>
             <a:r>
-              <a:rPr lang="fr-FR" smtClean="0"/>
+              <a:rPr lang="fr-FR"/>
               <a:t>Cinquième niveau</a:t>
             </a:r>
             <a:endParaRPr lang="en-US" dirty="0"/>
@@ -4768,7 +4769,7 @@
           <a:p>
             <a:pPr lvl="0"/>
             <a:r>
-              <a:rPr lang="fr-FR" smtClean="0"/>
+              <a:rPr lang="fr-FR"/>
               <a:t>Modifier les styles du texte du masque</a:t>
             </a:r>
           </a:p>
@@ -4791,7 +4792,7 @@
           <a:p>
             <a:fld id="{E70E7258-0E2C-4100-A6BD-9FC5DF652BD1}" type="datetimeFigureOut">
               <a:rPr lang="fr-CH" smtClean="0"/>
-              <a:t>20.04.2018</a:t>
+              <a:t>26.04.2018</a:t>
             </a:fld>
             <a:endParaRPr lang="fr-CH"/>
           </a:p>
@@ -4896,7 +4897,7 @@
           </a:lstStyle>
           <a:p>
             <a:r>
-              <a:rPr lang="fr-FR" smtClean="0"/>
+              <a:rPr lang="fr-FR"/>
               <a:t>Modifiez le style du titre</a:t>
             </a:r>
             <a:endParaRPr lang="en-US" dirty="0"/>
@@ -4991,7 +4992,7 @@
           </a:lstStyle>
           <a:p>
             <a:r>
-              <a:rPr lang="fr-FR" smtClean="0"/>
+              <a:rPr lang="fr-FR"/>
               <a:t>Cliquez sur l'icône pour ajouter une image</a:t>
             </a:r>
             <a:endParaRPr lang="en-US" dirty="0"/>
@@ -5059,7 +5060,7 @@
           <a:p>
             <a:pPr lvl="0"/>
             <a:r>
-              <a:rPr lang="fr-FR" smtClean="0"/>
+              <a:rPr lang="fr-FR"/>
               <a:t>Modifier les styles du texte du masque</a:t>
             </a:r>
           </a:p>
@@ -5082,7 +5083,7 @@
           <a:p>
             <a:fld id="{E70E7258-0E2C-4100-A6BD-9FC5DF652BD1}" type="datetimeFigureOut">
               <a:rPr lang="fr-CH" smtClean="0"/>
-              <a:t>20.04.2018</a:t>
+              <a:t>26.04.2018</a:t>
             </a:fld>
             <a:endParaRPr lang="fr-CH"/>
           </a:p>
@@ -5508,7 +5509,7 @@
           <a:lstStyle/>
           <a:p>
             <a:r>
-              <a:rPr lang="fr-FR" smtClean="0"/>
+              <a:rPr lang="fr-FR"/>
               <a:t>Modifiez le style du titre</a:t>
             </a:r>
             <a:endParaRPr lang="en-US" dirty="0"/>
@@ -5542,35 +5543,35 @@
           <a:p>
             <a:pPr lvl="0"/>
             <a:r>
-              <a:rPr lang="fr-FR" smtClean="0"/>
+              <a:rPr lang="fr-FR"/>
               <a:t>Modifier les styles du texte du masque</a:t>
             </a:r>
           </a:p>
           <a:p>
             <a:pPr lvl="1"/>
             <a:r>
-              <a:rPr lang="fr-FR" smtClean="0"/>
+              <a:rPr lang="fr-FR"/>
               <a:t>Deuxième niveau</a:t>
             </a:r>
           </a:p>
           <a:p>
             <a:pPr lvl="2"/>
             <a:r>
-              <a:rPr lang="fr-FR" smtClean="0"/>
+              <a:rPr lang="fr-FR"/>
               <a:t>Troisième niveau</a:t>
             </a:r>
           </a:p>
           <a:p>
             <a:pPr lvl="3"/>
             <a:r>
-              <a:rPr lang="fr-FR" smtClean="0"/>
+              <a:rPr lang="fr-FR"/>
               <a:t>Quatrième niveau</a:t>
             </a:r>
           </a:p>
           <a:p>
             <a:pPr lvl="4"/>
             <a:r>
-              <a:rPr lang="fr-FR" smtClean="0"/>
+              <a:rPr lang="fr-FR"/>
               <a:t>Cinquième niveau</a:t>
             </a:r>
             <a:endParaRPr lang="en-US" dirty="0"/>
@@ -5612,7 +5613,7 @@
           <a:p>
             <a:fld id="{E70E7258-0E2C-4100-A6BD-9FC5DF652BD1}" type="datetimeFigureOut">
               <a:rPr lang="fr-CH" smtClean="0"/>
-              <a:t>20.04.2018</a:t>
+              <a:t>26.04.2018</a:t>
             </a:fld>
             <a:endParaRPr lang="fr-CH"/>
           </a:p>
@@ -6159,25 +6160,16 @@
           <a:lstStyle/>
           <a:p>
             <a:r>
-              <a:rPr lang="fr-CH" b="1" dirty="0" smtClean="0"/>
+              <a:rPr lang="fr-CH" b="1" dirty="0"/>
               <a:t>Projet Pré-TPI</a:t>
-            </a:r>
-            <a:r>
-              <a:rPr lang="fr-CH" b="1" dirty="0"/>
-              <a:t/>
             </a:r>
             <a:br>
               <a:rPr lang="fr-CH" b="1" dirty="0"/>
             </a:br>
             <a:r>
               <a:rPr lang="fr-CH" b="1" dirty="0"/>
-              <a:t>S</a:t>
-            </a:r>
-            <a:r>
-              <a:rPr lang="fr-CH" b="1" dirty="0" smtClean="0"/>
-              <a:t>ite PIKA</a:t>
-            </a:r>
-            <a:endParaRPr lang="fr-CH" b="1" dirty="0"/>
+              <a:t>Site PIKA</a:t>
+            </a:r>
           </a:p>
         </p:txBody>
       </p:sp>
@@ -6199,28 +6191,27 @@
           <a:lstStyle/>
           <a:p>
             <a:r>
-              <a:rPr lang="fr-CH" b="1" dirty="0" smtClean="0"/>
+              <a:rPr lang="fr-CH" b="1" dirty="0"/>
               <a:t>Gerardi Alexandre</a:t>
             </a:r>
           </a:p>
           <a:p>
             <a:r>
-              <a:rPr lang="fr-CH" b="1" dirty="0" smtClean="0"/>
+              <a:rPr lang="fr-CH" b="1" dirty="0"/>
               <a:t>SI-C4a</a:t>
             </a:r>
           </a:p>
           <a:p>
             <a:r>
-              <a:rPr lang="fr-CH" b="1" dirty="0" smtClean="0"/>
+              <a:rPr lang="fr-CH" b="1" dirty="0"/>
               <a:t>CPNV Ste-Croix</a:t>
             </a:r>
           </a:p>
           <a:p>
             <a:r>
-              <a:rPr lang="fr-CH" b="1" dirty="0" smtClean="0"/>
+              <a:rPr lang="fr-CH" b="1" dirty="0"/>
               <a:t>Informaticien</a:t>
             </a:r>
-            <a:endParaRPr lang="fr-CH" b="1" dirty="0"/>
           </a:p>
         </p:txBody>
       </p:sp>
@@ -6270,10 +6261,9 @@
           <a:lstStyle/>
           <a:p>
             <a:r>
-              <a:rPr lang="fr-CH" b="1" dirty="0" smtClean="0"/>
-              <a:t>Sommaire</a:t>
-            </a:r>
-            <a:endParaRPr lang="fr-CH" b="1" dirty="0"/>
+              <a:rPr lang="fr-CH" b="1" dirty="0"/>
+              <a:t>Problème dont je n’ai pas parlé</a:t>
+            </a:r>
           </a:p>
         </p:txBody>
       </p:sp>
@@ -6293,7 +6283,7 @@
           <a:lstStyle/>
           <a:p>
             <a:r>
-              <a:rPr lang="fr-CH" b="1" dirty="0" smtClean="0"/>
+              <a:rPr lang="fr-CH" b="1" dirty="0"/>
               <a:t>Une page pour chaque choses</a:t>
             </a:r>
           </a:p>
@@ -6356,7 +6346,7 @@
               <a:buNone/>
             </a:pPr>
             <a:r>
-              <a:rPr lang="fr-CH" b="1" dirty="0" smtClean="0"/>
+              <a:rPr lang="fr-CH" b="1" dirty="0"/>
               <a:t>Il plus facile de créer une page pour chaque fonction</a:t>
             </a:r>
           </a:p>
@@ -6370,7 +6360,7 @@
             <a:pPr marL="0" indent="0">
               <a:buNone/>
             </a:pPr>
-            <a:endParaRPr lang="fr-CH" b="1" dirty="0" smtClean="0"/>
+            <a:endParaRPr lang="fr-CH" b="1" dirty="0"/>
           </a:p>
           <a:p>
             <a:pPr marL="0" indent="0">
@@ -6382,7 +6372,7 @@
             <a:pPr marL="0" indent="0">
               <a:buNone/>
             </a:pPr>
-            <a:endParaRPr lang="fr-CH" b="1" dirty="0" smtClean="0"/>
+            <a:endParaRPr lang="fr-CH" b="1" dirty="0"/>
           </a:p>
           <a:p>
             <a:pPr marL="0" indent="0">
@@ -6394,7 +6384,7 @@
             <a:pPr marL="0" indent="0">
               <a:buNone/>
             </a:pPr>
-            <a:endParaRPr lang="fr-CH" b="1" dirty="0" smtClean="0"/>
+            <a:endParaRPr lang="fr-CH" b="1" dirty="0"/>
           </a:p>
           <a:p>
             <a:pPr marL="0" indent="0">
@@ -6406,7 +6396,7 @@
             <a:pPr marL="0" indent="0">
               <a:buNone/>
             </a:pPr>
-            <a:endParaRPr lang="fr-CH" b="1" dirty="0" smtClean="0"/>
+            <a:endParaRPr lang="fr-CH" b="1" dirty="0"/>
           </a:p>
           <a:p>
             <a:pPr marL="0" indent="0">
@@ -6530,7 +6520,7 @@
               <a:buNone/>
             </a:pPr>
             <a:r>
-              <a:rPr lang="fr-CH" b="1" dirty="0" smtClean="0"/>
+              <a:rPr lang="fr-CH" b="1" dirty="0"/>
               <a:t>Il plus facile de créer une page pour chaque fonction</a:t>
             </a:r>
           </a:p>
@@ -6544,7 +6534,7 @@
             <a:pPr marL="0" indent="0">
               <a:buNone/>
             </a:pPr>
-            <a:endParaRPr lang="fr-CH" b="1" dirty="0" smtClean="0"/>
+            <a:endParaRPr lang="fr-CH" b="1" dirty="0"/>
           </a:p>
           <a:p>
             <a:pPr marL="0" indent="0">
@@ -6556,7 +6546,7 @@
             <a:pPr marL="0" indent="0">
               <a:buNone/>
             </a:pPr>
-            <a:endParaRPr lang="fr-CH" b="1" dirty="0" smtClean="0"/>
+            <a:endParaRPr lang="fr-CH" b="1" dirty="0"/>
           </a:p>
           <a:p>
             <a:pPr marL="0" indent="0">
@@ -6568,7 +6558,7 @@
             <a:pPr marL="0" indent="0">
               <a:buNone/>
             </a:pPr>
-            <a:endParaRPr lang="fr-CH" b="1" dirty="0" smtClean="0"/>
+            <a:endParaRPr lang="fr-CH" b="1" dirty="0"/>
           </a:p>
           <a:p>
             <a:pPr marL="0" indent="0">
@@ -6580,7 +6570,7 @@
             <a:pPr marL="0" indent="0">
               <a:buNone/>
             </a:pPr>
-            <a:endParaRPr lang="fr-CH" b="1" dirty="0" smtClean="0"/>
+            <a:endParaRPr lang="fr-CH" b="1" dirty="0"/>
           </a:p>
           <a:p>
             <a:pPr marL="0" indent="0">
@@ -6674,7 +6664,7 @@
               <a:buNone/>
             </a:pPr>
             <a:r>
-              <a:rPr lang="fr-CH" b="1" dirty="0" smtClean="0"/>
+              <a:rPr lang="fr-CH" b="1" dirty="0"/>
               <a:t>Il plus facile de créer une page pour chaque fonction</a:t>
             </a:r>
           </a:p>
@@ -6688,7 +6678,7 @@
             <a:pPr marL="0" indent="0">
               <a:buNone/>
             </a:pPr>
-            <a:endParaRPr lang="fr-CH" b="1" dirty="0" smtClean="0"/>
+            <a:endParaRPr lang="fr-CH" b="1" dirty="0"/>
           </a:p>
           <a:p>
             <a:pPr marL="0" indent="0">
@@ -6700,7 +6690,7 @@
             <a:pPr marL="0" indent="0">
               <a:buNone/>
             </a:pPr>
-            <a:endParaRPr lang="fr-CH" b="1" dirty="0" smtClean="0"/>
+            <a:endParaRPr lang="fr-CH" b="1" dirty="0"/>
           </a:p>
           <a:p>
             <a:pPr marL="0" indent="0">
@@ -6712,7 +6702,7 @@
             <a:pPr marL="0" indent="0">
               <a:buNone/>
             </a:pPr>
-            <a:endParaRPr lang="fr-CH" b="1" dirty="0" smtClean="0"/>
+            <a:endParaRPr lang="fr-CH" b="1" dirty="0"/>
           </a:p>
           <a:p>
             <a:pPr marL="0" indent="0">
@@ -6724,7 +6714,7 @@
             <a:pPr marL="0" indent="0">
               <a:buNone/>
             </a:pPr>
-            <a:endParaRPr lang="fr-CH" b="1" dirty="0" smtClean="0"/>
+            <a:endParaRPr lang="fr-CH" b="1" dirty="0"/>
           </a:p>
           <a:p>
             <a:pPr marL="0" indent="0">
@@ -6818,7 +6808,7 @@
               <a:buNone/>
             </a:pPr>
             <a:r>
-              <a:rPr lang="fr-CH" b="1" dirty="0" smtClean="0"/>
+              <a:rPr lang="fr-CH" b="1" dirty="0"/>
               <a:t>Il plus facile de créer une page pour chaque fonction</a:t>
             </a:r>
           </a:p>
@@ -6832,7 +6822,7 @@
             <a:pPr marL="0" indent="0">
               <a:buNone/>
             </a:pPr>
-            <a:endParaRPr lang="fr-CH" b="1" dirty="0" smtClean="0"/>
+            <a:endParaRPr lang="fr-CH" b="1" dirty="0"/>
           </a:p>
           <a:p>
             <a:pPr marL="0" indent="0">
@@ -6844,7 +6834,7 @@
             <a:pPr marL="0" indent="0">
               <a:buNone/>
             </a:pPr>
-            <a:endParaRPr lang="fr-CH" b="1" dirty="0" smtClean="0"/>
+            <a:endParaRPr lang="fr-CH" b="1" dirty="0"/>
           </a:p>
           <a:p>
             <a:pPr marL="0" indent="0">
@@ -6856,7 +6846,7 @@
             <a:pPr marL="0" indent="0">
               <a:buNone/>
             </a:pPr>
-            <a:endParaRPr lang="fr-CH" b="1" dirty="0" smtClean="0"/>
+            <a:endParaRPr lang="fr-CH" b="1" dirty="0"/>
           </a:p>
           <a:p>
             <a:pPr marL="0" indent="0">
@@ -6868,7 +6858,7 @@
             <a:pPr marL="0" indent="0">
               <a:buNone/>
             </a:pPr>
-            <a:endParaRPr lang="fr-CH" b="1" dirty="0" smtClean="0"/>
+            <a:endParaRPr lang="fr-CH" b="1" dirty="0"/>
           </a:p>
           <a:p>
             <a:pPr marL="0" indent="0">
@@ -6962,7 +6952,7 @@
               <a:buNone/>
             </a:pPr>
             <a:r>
-              <a:rPr lang="fr-CH" b="1" dirty="0" smtClean="0"/>
+              <a:rPr lang="fr-CH" b="1" dirty="0"/>
               <a:t>Il plus facile de créer une page pour chaque fonction</a:t>
             </a:r>
           </a:p>
@@ -6976,7 +6966,7 @@
             <a:pPr marL="0" indent="0">
               <a:buNone/>
             </a:pPr>
-            <a:endParaRPr lang="fr-CH" dirty="0" smtClean="0"/>
+            <a:endParaRPr lang="fr-CH" dirty="0"/>
           </a:p>
           <a:p>
             <a:pPr marL="0" indent="0">
@@ -6988,7 +6978,7 @@
             <a:pPr marL="0" indent="0">
               <a:buNone/>
             </a:pPr>
-            <a:endParaRPr lang="fr-CH" dirty="0" smtClean="0"/>
+            <a:endParaRPr lang="fr-CH" dirty="0"/>
           </a:p>
           <a:p>
             <a:pPr marL="0" indent="0">
@@ -7000,7 +6990,7 @@
             <a:pPr marL="0" indent="0">
               <a:buNone/>
             </a:pPr>
-            <a:endParaRPr lang="fr-CH" dirty="0" smtClean="0"/>
+            <a:endParaRPr lang="fr-CH" dirty="0"/>
           </a:p>
           <a:p>
             <a:pPr marL="0" indent="0">
@@ -7012,7 +7002,7 @@
             <a:pPr marL="0" indent="0">
               <a:buNone/>
             </a:pPr>
-            <a:endParaRPr lang="fr-CH" dirty="0" smtClean="0"/>
+            <a:endParaRPr lang="fr-CH" dirty="0"/>
           </a:p>
           <a:p>
             <a:pPr marL="0" indent="0">
@@ -7275,7 +7265,7 @@
               <a:buFont typeface="Arial"/>
               <a:buNone/>
             </a:pPr>
-            <a:endParaRPr lang="fr-CH" b="1" dirty="0" smtClean="0"/>
+            <a:endParaRPr lang="fr-CH" b="1" dirty="0"/>
           </a:p>
           <a:p>
             <a:pPr marL="0" indent="0" algn="r">
@@ -7289,7 +7279,7 @@
               <a:buFont typeface="Arial"/>
               <a:buNone/>
             </a:pPr>
-            <a:endParaRPr lang="fr-CH" b="1" dirty="0" smtClean="0"/>
+            <a:endParaRPr lang="fr-CH" b="1" dirty="0"/>
           </a:p>
           <a:p>
             <a:pPr marL="0" indent="0" algn="r">
@@ -7303,7 +7293,7 @@
               <a:buFont typeface="Arial"/>
               <a:buNone/>
             </a:pPr>
-            <a:endParaRPr lang="fr-CH" b="1" dirty="0" smtClean="0"/>
+            <a:endParaRPr lang="fr-CH" b="1" dirty="0"/>
           </a:p>
           <a:p>
             <a:pPr marL="0" indent="0" algn="r">
@@ -7317,7 +7307,7 @@
               <a:buFont typeface="Arial"/>
               <a:buNone/>
             </a:pPr>
-            <a:endParaRPr lang="fr-CH" b="1" dirty="0" smtClean="0"/>
+            <a:endParaRPr lang="fr-CH" b="1" dirty="0"/>
           </a:p>
           <a:p>
             <a:pPr marL="0" indent="0" algn="r">
@@ -7331,7 +7321,7 @@
               <a:buFont typeface="Arial"/>
               <a:buNone/>
             </a:pPr>
-            <a:endParaRPr lang="fr-CH" b="1" dirty="0" smtClean="0"/>
+            <a:endParaRPr lang="fr-CH" b="1" dirty="0"/>
           </a:p>
           <a:p>
             <a:pPr marL="0" indent="0" algn="r">
@@ -7345,7 +7335,7 @@
               <a:buFont typeface="Arial"/>
               <a:buNone/>
             </a:pPr>
-            <a:endParaRPr lang="fr-CH" b="1" dirty="0" smtClean="0"/>
+            <a:endParaRPr lang="fr-CH" b="1" dirty="0"/>
           </a:p>
           <a:p>
             <a:pPr marL="0" indent="0" algn="r">
@@ -7359,7 +7349,7 @@
               <a:buFont typeface="Arial"/>
               <a:buNone/>
             </a:pPr>
-            <a:endParaRPr lang="fr-CH" b="1" dirty="0" smtClean="0"/>
+            <a:endParaRPr lang="fr-CH" b="1" dirty="0"/>
           </a:p>
           <a:p>
             <a:pPr marL="0" indent="0" algn="r">
@@ -7373,7 +7363,7 @@
               <a:buFont typeface="Arial"/>
               <a:buNone/>
             </a:pPr>
-            <a:endParaRPr lang="fr-CH" b="1" dirty="0" smtClean="0"/>
+            <a:endParaRPr lang="fr-CH" b="1" dirty="0"/>
           </a:p>
           <a:p>
             <a:pPr marL="0" indent="0" algn="r">
@@ -7387,7 +7377,7 @@
               <a:buFont typeface="Arial"/>
               <a:buNone/>
             </a:pPr>
-            <a:endParaRPr lang="fr-CH" b="1" dirty="0" smtClean="0"/>
+            <a:endParaRPr lang="fr-CH" b="1" dirty="0"/>
           </a:p>
           <a:p>
             <a:pPr marL="0" indent="0" algn="r">
@@ -7401,7 +7391,7 @@
               <a:buFont typeface="Arial"/>
               <a:buNone/>
             </a:pPr>
-            <a:endParaRPr lang="fr-CH" b="1" dirty="0" smtClean="0"/>
+            <a:endParaRPr lang="fr-CH" b="1" dirty="0"/>
           </a:p>
           <a:p>
             <a:pPr marL="0" indent="0" algn="r">
@@ -7415,7 +7405,7 @@
               <a:buFont typeface="Arial"/>
               <a:buNone/>
             </a:pPr>
-            <a:endParaRPr lang="fr-CH" b="1" dirty="0" smtClean="0"/>
+            <a:endParaRPr lang="fr-CH" b="1" dirty="0"/>
           </a:p>
           <a:p>
             <a:pPr marL="0" indent="0" algn="r">
@@ -7429,7 +7419,7 @@
               <a:buFont typeface="Arial"/>
               <a:buNone/>
             </a:pPr>
-            <a:endParaRPr lang="fr-CH" b="1" dirty="0" smtClean="0"/>
+            <a:endParaRPr lang="fr-CH" b="1" dirty="0"/>
           </a:p>
           <a:p>
             <a:pPr marL="0" indent="0" algn="r">
@@ -7443,7 +7433,7 @@
               <a:buFont typeface="Arial"/>
               <a:buNone/>
             </a:pPr>
-            <a:endParaRPr lang="fr-CH" b="1" dirty="0" smtClean="0"/>
+            <a:endParaRPr lang="fr-CH" b="1" dirty="0"/>
           </a:p>
           <a:p>
             <a:pPr marL="0" indent="0" algn="r">
@@ -7457,7 +7447,7 @@
               <a:buFont typeface="Arial"/>
               <a:buNone/>
             </a:pPr>
-            <a:endParaRPr lang="fr-CH" b="1" dirty="0" smtClean="0"/>
+            <a:endParaRPr lang="fr-CH" b="1" dirty="0"/>
           </a:p>
           <a:p>
             <a:pPr marL="0" indent="0" algn="r">
@@ -7471,7 +7461,7 @@
               <a:buFont typeface="Arial"/>
               <a:buNone/>
             </a:pPr>
-            <a:endParaRPr lang="fr-CH" b="1" dirty="0" smtClean="0"/>
+            <a:endParaRPr lang="fr-CH" b="1" dirty="0"/>
           </a:p>
           <a:p>
             <a:pPr marL="0" indent="0" algn="r">
@@ -7485,7 +7475,7 @@
               <a:buFont typeface="Arial"/>
               <a:buNone/>
             </a:pPr>
-            <a:endParaRPr lang="fr-CH" b="1" dirty="0" smtClean="0"/>
+            <a:endParaRPr lang="fr-CH" b="1" dirty="0"/>
           </a:p>
           <a:p>
             <a:pPr marL="0" indent="0" algn="r">
@@ -7499,7 +7489,7 @@
               <a:buFont typeface="Arial"/>
               <a:buNone/>
             </a:pPr>
-            <a:endParaRPr lang="fr-CH" b="1" dirty="0" smtClean="0"/>
+            <a:endParaRPr lang="fr-CH" b="1" dirty="0"/>
           </a:p>
           <a:p>
             <a:pPr marL="0" indent="0" algn="r">
@@ -7513,7 +7503,7 @@
               <a:buFont typeface="Arial"/>
               <a:buNone/>
             </a:pPr>
-            <a:endParaRPr lang="fr-CH" b="1" dirty="0" smtClean="0"/>
+            <a:endParaRPr lang="fr-CH" b="1" dirty="0"/>
           </a:p>
           <a:p>
             <a:pPr marL="0" indent="0" algn="r">
@@ -7527,14 +7517,14 @@
               <a:buFont typeface="Arial"/>
               <a:buNone/>
             </a:pPr>
-            <a:endParaRPr lang="fr-CH" b="1" dirty="0" smtClean="0"/>
+            <a:endParaRPr lang="fr-CH" b="1" dirty="0"/>
           </a:p>
           <a:p>
             <a:pPr marL="0" indent="0" algn="r">
               <a:buFont typeface="Arial"/>
               <a:buNone/>
             </a:pPr>
-            <a:endParaRPr lang="fr-CH" sz="8800" b="1" dirty="0" smtClean="0"/>
+            <a:endParaRPr lang="fr-CH" sz="8800" b="1" dirty="0"/>
           </a:p>
           <a:p>
             <a:pPr marL="0" indent="0" algn="r">
@@ -7542,7 +7532,7 @@
               <a:buNone/>
             </a:pPr>
             <a:r>
-              <a:rPr lang="fr-CH" sz="8800" b="1" dirty="0" smtClean="0"/>
+              <a:rPr lang="fr-CH" sz="8800" b="1" dirty="0"/>
               <a:t>Que de créer des pages avec plusieurs fonctions</a:t>
             </a:r>
           </a:p>
@@ -7551,56 +7541,56 @@
               <a:buFont typeface="Arial"/>
               <a:buNone/>
             </a:pPr>
-            <a:endParaRPr lang="fr-CH" b="1" dirty="0" smtClean="0"/>
+            <a:endParaRPr lang="fr-CH" b="1" dirty="0"/>
           </a:p>
           <a:p>
             <a:pPr marL="0" indent="0">
               <a:buFont typeface="Arial"/>
               <a:buNone/>
             </a:pPr>
-            <a:endParaRPr lang="fr-CH" b="1" dirty="0" smtClean="0"/>
+            <a:endParaRPr lang="fr-CH" b="1" dirty="0"/>
           </a:p>
           <a:p>
             <a:pPr marL="0" indent="0">
               <a:buFont typeface="Arial"/>
               <a:buNone/>
             </a:pPr>
-            <a:endParaRPr lang="fr-CH" b="1" dirty="0" smtClean="0"/>
+            <a:endParaRPr lang="fr-CH" b="1" dirty="0"/>
           </a:p>
           <a:p>
             <a:pPr marL="0" indent="0">
               <a:buFont typeface="Arial"/>
               <a:buNone/>
             </a:pPr>
-            <a:endParaRPr lang="fr-CH" b="1" dirty="0" smtClean="0"/>
+            <a:endParaRPr lang="fr-CH" b="1" dirty="0"/>
           </a:p>
           <a:p>
             <a:pPr marL="0" indent="0">
               <a:buFont typeface="Arial"/>
               <a:buNone/>
             </a:pPr>
-            <a:endParaRPr lang="fr-CH" b="1" dirty="0" smtClean="0"/>
+            <a:endParaRPr lang="fr-CH" b="1" dirty="0"/>
           </a:p>
           <a:p>
             <a:pPr marL="0" indent="0">
               <a:buFont typeface="Arial"/>
               <a:buNone/>
             </a:pPr>
-            <a:endParaRPr lang="fr-CH" b="1" dirty="0" smtClean="0"/>
+            <a:endParaRPr lang="fr-CH" b="1" dirty="0"/>
           </a:p>
           <a:p>
             <a:pPr marL="0" indent="0">
               <a:buFont typeface="Arial"/>
               <a:buNone/>
             </a:pPr>
-            <a:endParaRPr lang="fr-CH" b="1" dirty="0" smtClean="0"/>
+            <a:endParaRPr lang="fr-CH" b="1" dirty="0"/>
           </a:p>
           <a:p>
             <a:pPr marL="0" indent="0">
               <a:buFont typeface="Arial"/>
               <a:buNone/>
             </a:pPr>
-            <a:endParaRPr lang="fr-CH" b="1" dirty="0" smtClean="0"/>
+            <a:endParaRPr lang="fr-CH" b="1" dirty="0"/>
           </a:p>
           <a:p>
             <a:pPr marL="0" indent="0">
@@ -7615,6 +7605,108 @@
     <p:extLst>
       <p:ext uri="{BB962C8B-B14F-4D97-AF65-F5344CB8AC3E}">
         <p14:creationId xmlns:p14="http://schemas.microsoft.com/office/powerpoint/2010/main" val="1390067604"/>
+      </p:ext>
+    </p:extLst>
+  </p:cSld>
+  <p:clrMapOvr>
+    <a:masterClrMapping/>
+  </p:clrMapOvr>
+</p:sld>
+</file>
+
+<file path=ppt/slides/slide8.xml><?xml version="1.0" encoding="utf-8"?>
+<p:sld xmlns:a="http://schemas.openxmlformats.org/drawingml/2006/main" xmlns:r="http://schemas.openxmlformats.org/officeDocument/2006/relationships" xmlns:p="http://schemas.openxmlformats.org/presentationml/2006/main">
+  <p:cSld>
+    <p:spTree>
+      <p:nvGrpSpPr>
+        <p:cNvPr id="1" name=""/>
+        <p:cNvGrpSpPr/>
+        <p:nvPr/>
+      </p:nvGrpSpPr>
+      <p:grpSpPr>
+        <a:xfrm>
+          <a:off x="0" y="0"/>
+          <a:ext cx="0" cy="0"/>
+          <a:chOff x="0" y="0"/>
+          <a:chExt cx="0" cy="0"/>
+        </a:xfrm>
+      </p:grpSpPr>
+      <p:sp>
+        <p:nvSpPr>
+          <p:cNvPr id="2" name="Titre 1">
+            <a:extLst>
+              <a:ext uri="{FF2B5EF4-FFF2-40B4-BE49-F238E27FC236}">
+                <a16:creationId xmlns:a16="http://schemas.microsoft.com/office/drawing/2014/main" id="{1FDA9DBF-C020-48C0-8DAF-A9B2F9BACB41}"/>
+              </a:ext>
+            </a:extLst>
+          </p:cNvPr>
+          <p:cNvSpPr>
+            <a:spLocks noGrp="1"/>
+          </p:cNvSpPr>
+          <p:nvPr>
+            <p:ph type="title"/>
+          </p:nvPr>
+        </p:nvSpPr>
+        <p:spPr/>
+        <p:txBody>
+          <a:bodyPr/>
+          <a:lstStyle/>
+          <a:p>
+            <a:r>
+              <a:rPr lang="fr-CH" dirty="0"/>
+              <a:t>Questions?</a:t>
+            </a:r>
+          </a:p>
+        </p:txBody>
+      </p:sp>
+      <p:pic>
+        <p:nvPicPr>
+          <p:cNvPr id="5" name="Espace réservé du contenu 4">
+            <a:extLst>
+              <a:ext uri="{FF2B5EF4-FFF2-40B4-BE49-F238E27FC236}">
+                <a16:creationId xmlns:a16="http://schemas.microsoft.com/office/drawing/2014/main" id="{4B1B5DB5-F6A0-4C82-AAD6-7637242A8161}"/>
+              </a:ext>
+            </a:extLst>
+          </p:cNvPr>
+          <p:cNvPicPr>
+            <a:picLocks noGrp="1" noChangeAspect="1"/>
+          </p:cNvPicPr>
+          <p:nvPr>
+            <p:ph idx="1"/>
+          </p:nvPr>
+        </p:nvPicPr>
+        <p:blipFill>
+          <a:blip r:embed="rId2" cstate="print">
+            <a:extLst>
+              <a:ext uri="{28A0092B-C50C-407E-A947-70E740481C1C}">
+                <a14:useLocalDpi xmlns:a14="http://schemas.microsoft.com/office/drawing/2010/main" val="0"/>
+              </a:ext>
+            </a:extLst>
+          </a:blip>
+          <a:stretch>
+            <a:fillRect/>
+          </a:stretch>
+        </p:blipFill>
+        <p:spPr>
+          <a:xfrm>
+            <a:off x="2731911" y="1896533"/>
+            <a:ext cx="6728177" cy="3784600"/>
+          </a:xfrm>
+          <a:prstGeom prst="rect">
+            <a:avLst/>
+          </a:prstGeom>
+          <a:ln>
+            <a:noFill/>
+          </a:ln>
+          <a:effectLst>
+            <a:softEdge rad="112500"/>
+          </a:effectLst>
+        </p:spPr>
+      </p:pic>
+    </p:spTree>
+    <p:extLst>
+      <p:ext uri="{BB962C8B-B14F-4D97-AF65-F5344CB8AC3E}">
+        <p14:creationId xmlns:p14="http://schemas.microsoft.com/office/powerpoint/2010/main" val="1521364322"/>
       </p:ext>
     </p:extLst>
   </p:cSld>
